--- a/Slides/Module 5 - Pipelines.pptx
+++ b/Slides/Module 5 - Pipelines.pptx
@@ -312,7 +312,7 @@
               <a:pPr>
                 <a:defRPr/>
               </a:pPr>
-              <a:t>09 December 2016</a:t>
+              <a:t>13 December 2016</a:t>
             </a:fld>
             <a:endParaRPr lang="de-DE"/>
           </a:p>
@@ -624,7 +624,7 @@
               <a:pPr>
                 <a:defRPr/>
               </a:pPr>
-              <a:t>9. Dezember 2016</a:t>
+              <a:t>13. Dezember 2016</a:t>
             </a:fld>
             <a:r>
               <a:rPr lang="de-DE"/>
@@ -942,7 +942,7 @@
               <a:pPr>
                 <a:defRPr/>
               </a:pPr>
-              <a:t>9. Dezember 2016</a:t>
+              <a:t>13. Dezember 2016</a:t>
             </a:fld>
             <a:r>
               <a:rPr lang="de-DE"/>
@@ -1064,7 +1064,7 @@
               <a:pPr>
                 <a:defRPr/>
               </a:pPr>
-              <a:t>9. Dezember 2016</a:t>
+              <a:t>13. Dezember 2016</a:t>
             </a:fld>
             <a:r>
               <a:rPr lang="de-DE"/>
@@ -1383,7 +1383,7 @@
               <a:pPr>
                 <a:defRPr/>
               </a:pPr>
-              <a:t>9. Dezember 2016</a:t>
+              <a:t>13. Dezember 2016</a:t>
             </a:fld>
             <a:r>
               <a:rPr lang="de-DE"/>
@@ -1643,7 +1643,7 @@
               <a:pPr>
                 <a:defRPr/>
               </a:pPr>
-              <a:t>9. Dezember 2016</a:t>
+              <a:t>13. Dezember 2016</a:t>
             </a:fld>
             <a:r>
               <a:rPr lang="de-DE"/>
@@ -1767,7 +1767,7 @@
               <a:pPr>
                 <a:defRPr/>
               </a:pPr>
-              <a:t>9. Dezember 2016</a:t>
+              <a:t>13. Dezember 2016</a:t>
             </a:fld>
             <a:r>
               <a:rPr lang="de-DE"/>
@@ -1863,7 +1863,6 @@
               <a:rPr lang="en-US"/>
               <a:t>Click to edit Master title style</a:t>
             </a:r>
-            <a:endParaRPr lang="en-US"/>
           </a:p>
         </p:txBody>
       </p:sp>
@@ -1928,7 +1927,6 @@
               <a:rPr lang="en-US"/>
               <a:t>Click to edit Master subtitle style</a:t>
             </a:r>
-            <a:endParaRPr lang="en-US"/>
           </a:p>
         </p:txBody>
       </p:sp>
@@ -1949,7 +1947,7 @@
           <a:p>
             <a:fld id="{EB5A137E-BC1C-407D-BFE8-80ECE3881BEF}" type="datetimeFigureOut">
               <a:rPr lang="en-US" smtClean="0"/>
-              <a:t>12/9/2016</a:t>
+              <a:t>12/13/2016</a:t>
             </a:fld>
             <a:endParaRPr lang="en-US"/>
           </a:p>
@@ -2046,7 +2044,6 @@
               <a:rPr lang="en-US"/>
               <a:t>Click to edit Master title style</a:t>
             </a:r>
-            <a:endParaRPr lang="en-US"/>
           </a:p>
         </p:txBody>
       </p:sp>
@@ -2098,7 +2095,6 @@
               <a:rPr lang="en-US"/>
               <a:t>Fifth level</a:t>
             </a:r>
-            <a:endParaRPr lang="en-US"/>
           </a:p>
         </p:txBody>
       </p:sp>
@@ -2119,7 +2115,7 @@
           <a:p>
             <a:fld id="{EB5A137E-BC1C-407D-BFE8-80ECE3881BEF}" type="datetimeFigureOut">
               <a:rPr lang="en-US" smtClean="0"/>
-              <a:t>12/9/2016</a:t>
+              <a:t>12/13/2016</a:t>
             </a:fld>
             <a:endParaRPr lang="en-US"/>
           </a:p>
@@ -2221,7 +2217,6 @@
               <a:rPr lang="en-US"/>
               <a:t>Click to edit Master title style</a:t>
             </a:r>
-            <a:endParaRPr lang="en-US"/>
           </a:p>
         </p:txBody>
       </p:sp>
@@ -2278,7 +2273,6 @@
               <a:rPr lang="en-US"/>
               <a:t>Fifth level</a:t>
             </a:r>
-            <a:endParaRPr lang="en-US"/>
           </a:p>
         </p:txBody>
       </p:sp>
@@ -2299,7 +2293,7 @@
           <a:p>
             <a:fld id="{EB5A137E-BC1C-407D-BFE8-80ECE3881BEF}" type="datetimeFigureOut">
               <a:rPr lang="en-US" smtClean="0"/>
-              <a:t>12/9/2016</a:t>
+              <a:t>12/13/2016</a:t>
             </a:fld>
             <a:endParaRPr lang="en-US"/>
           </a:p>
@@ -2396,7 +2390,6 @@
               <a:rPr lang="en-US"/>
               <a:t>Click to edit Master title style</a:t>
             </a:r>
-            <a:endParaRPr lang="en-US"/>
           </a:p>
         </p:txBody>
       </p:sp>
@@ -2448,7 +2441,6 @@
               <a:rPr lang="en-US"/>
               <a:t>Fifth level</a:t>
             </a:r>
-            <a:endParaRPr lang="en-US"/>
           </a:p>
         </p:txBody>
       </p:sp>
@@ -2469,7 +2461,7 @@
           <a:p>
             <a:fld id="{EB5A137E-BC1C-407D-BFE8-80ECE3881BEF}" type="datetimeFigureOut">
               <a:rPr lang="en-US" smtClean="0"/>
-              <a:t>12/9/2016</a:t>
+              <a:t>12/13/2016</a:t>
             </a:fld>
             <a:endParaRPr lang="en-US"/>
           </a:p>
@@ -2575,7 +2567,6 @@
               <a:rPr lang="en-US"/>
               <a:t>Click to edit Master title style</a:t>
             </a:r>
-            <a:endParaRPr lang="en-US"/>
           </a:p>
         </p:txBody>
       </p:sp>
@@ -2715,7 +2706,7 @@
           <a:p>
             <a:fld id="{EB5A137E-BC1C-407D-BFE8-80ECE3881BEF}" type="datetimeFigureOut">
               <a:rPr lang="en-US" smtClean="0"/>
-              <a:t>12/9/2016</a:t>
+              <a:t>12/13/2016</a:t>
             </a:fld>
             <a:endParaRPr lang="en-US"/>
           </a:p>
@@ -2812,7 +2803,6 @@
               <a:rPr lang="en-US"/>
               <a:t>Click to edit Master title style</a:t>
             </a:r>
-            <a:endParaRPr lang="en-US"/>
           </a:p>
         </p:txBody>
       </p:sp>
@@ -2869,7 +2859,6 @@
               <a:rPr lang="en-US"/>
               <a:t>Fifth level</a:t>
             </a:r>
-            <a:endParaRPr lang="en-US"/>
           </a:p>
         </p:txBody>
       </p:sp>
@@ -2926,7 +2915,6 @@
               <a:rPr lang="en-US"/>
               <a:t>Fifth level</a:t>
             </a:r>
-            <a:endParaRPr lang="en-US"/>
           </a:p>
         </p:txBody>
       </p:sp>
@@ -2947,7 +2935,7 @@
           <a:p>
             <a:fld id="{EB5A137E-BC1C-407D-BFE8-80ECE3881BEF}" type="datetimeFigureOut">
               <a:rPr lang="en-US" smtClean="0"/>
-              <a:t>12/9/2016</a:t>
+              <a:t>12/13/2016</a:t>
             </a:fld>
             <a:endParaRPr lang="en-US"/>
           </a:p>
@@ -3049,7 +3037,6 @@
               <a:rPr lang="en-US"/>
               <a:t>Click to edit Master title style</a:t>
             </a:r>
-            <a:endParaRPr lang="en-US"/>
           </a:p>
         </p:txBody>
       </p:sp>
@@ -3171,7 +3158,6 @@
               <a:rPr lang="en-US"/>
               <a:t>Fifth level</a:t>
             </a:r>
-            <a:endParaRPr lang="en-US"/>
           </a:p>
         </p:txBody>
       </p:sp>
@@ -3293,7 +3279,6 @@
               <a:rPr lang="en-US"/>
               <a:t>Fifth level</a:t>
             </a:r>
-            <a:endParaRPr lang="en-US"/>
           </a:p>
         </p:txBody>
       </p:sp>
@@ -3314,7 +3299,7 @@
           <a:p>
             <a:fld id="{EB5A137E-BC1C-407D-BFE8-80ECE3881BEF}" type="datetimeFigureOut">
               <a:rPr lang="en-US" smtClean="0"/>
-              <a:t>12/9/2016</a:t>
+              <a:t>12/13/2016</a:t>
             </a:fld>
             <a:endParaRPr lang="en-US"/>
           </a:p>
@@ -3411,7 +3396,6 @@
               <a:rPr lang="en-US"/>
               <a:t>Click to edit Master title style</a:t>
             </a:r>
-            <a:endParaRPr lang="en-US"/>
           </a:p>
         </p:txBody>
       </p:sp>
@@ -3432,7 +3416,7 @@
           <a:p>
             <a:fld id="{EB5A137E-BC1C-407D-BFE8-80ECE3881BEF}" type="datetimeFigureOut">
               <a:rPr lang="en-US" smtClean="0"/>
-              <a:t>12/9/2016</a:t>
+              <a:t>12/13/2016</a:t>
             </a:fld>
             <a:endParaRPr lang="en-US"/>
           </a:p>
@@ -3527,7 +3511,7 @@
           <a:p>
             <a:fld id="{EB5A137E-BC1C-407D-BFE8-80ECE3881BEF}" type="datetimeFigureOut">
               <a:rPr lang="en-US" smtClean="0"/>
-              <a:t>12/9/2016</a:t>
+              <a:t>12/13/2016</a:t>
             </a:fld>
             <a:endParaRPr lang="en-US"/>
           </a:p>
@@ -3633,7 +3617,6 @@
               <a:rPr lang="en-US"/>
               <a:t>Click to edit Master title style</a:t>
             </a:r>
-            <a:endParaRPr lang="en-US"/>
           </a:p>
         </p:txBody>
       </p:sp>
@@ -3718,7 +3701,6 @@
               <a:rPr lang="en-US"/>
               <a:t>Fifth level</a:t>
             </a:r>
-            <a:endParaRPr lang="en-US"/>
           </a:p>
         </p:txBody>
       </p:sp>
@@ -3804,7 +3786,7 @@
           <a:p>
             <a:fld id="{EB5A137E-BC1C-407D-BFE8-80ECE3881BEF}" type="datetimeFigureOut">
               <a:rPr lang="en-US" smtClean="0"/>
-              <a:t>12/9/2016</a:t>
+              <a:t>12/13/2016</a:t>
             </a:fld>
             <a:endParaRPr lang="en-US"/>
           </a:p>
@@ -3910,7 +3892,6 @@
               <a:rPr lang="en-US"/>
               <a:t>Click to edit Master title style</a:t>
             </a:r>
-            <a:endParaRPr lang="en-US"/>
           </a:p>
         </p:txBody>
       </p:sp>
@@ -4057,7 +4038,7 @@
           <a:p>
             <a:fld id="{EB5A137E-BC1C-407D-BFE8-80ECE3881BEF}" type="datetimeFigureOut">
               <a:rPr lang="en-US" smtClean="0"/>
-              <a:t>12/9/2016</a:t>
+              <a:t>12/13/2016</a:t>
             </a:fld>
             <a:endParaRPr lang="en-US"/>
           </a:p>
@@ -4169,7 +4150,6 @@
               <a:rPr lang="en-US"/>
               <a:t>Click to edit Master title style</a:t>
             </a:r>
-            <a:endParaRPr lang="en-US"/>
           </a:p>
         </p:txBody>
       </p:sp>
@@ -4231,7 +4211,6 @@
               <a:rPr lang="en-US"/>
               <a:t>Fifth level</a:t>
             </a:r>
-            <a:endParaRPr lang="en-US"/>
           </a:p>
         </p:txBody>
       </p:sp>
@@ -4270,7 +4249,7 @@
           <a:p>
             <a:fld id="{EB5A137E-BC1C-407D-BFE8-80ECE3881BEF}" type="datetimeFigureOut">
               <a:rPr lang="en-US" smtClean="0"/>
-              <a:t>12/9/2016</a:t>
+              <a:t>12/13/2016</a:t>
             </a:fld>
             <a:endParaRPr lang="en-US"/>
           </a:p>
@@ -4692,7 +4671,7 @@
           <a:p>
             <a:r>
               <a:rPr lang="en-US" dirty="0"/>
-              <a:t>Developing Integration Solutions using Microsoft BizTalk Server 2013</a:t>
+              <a:t>Developing Integration Solutions using Microsoft BizTalk Server 2016</a:t>
             </a:r>
             <a:endParaRPr lang="en-GB" dirty="0"/>
           </a:p>

--- a/Slides/Module 5 - Pipelines.pptx
+++ b/Slides/Module 5 - Pipelines.pptx
@@ -4693,9 +4693,10 @@
           <a:lstStyle/>
           <a:p>
             <a:r>
-              <a:rPr lang="en-GB" dirty="0"/>
-              <a:t>Pipelines</a:t>
-            </a:r>
+              <a:rPr lang="en-GB"/>
+              <a:t>Pipelines </a:t>
+            </a:r>
+            <a:endParaRPr lang="en-GB" dirty="0"/>
           </a:p>
         </p:txBody>
       </p:sp>

--- a/Slides/Module 5 - Pipelines.pptx
+++ b/Slides/Module 5 - Pipelines.pptx
@@ -3,39 +3,40 @@
 <p:presentation xmlns:a="http://schemas.openxmlformats.org/drawingml/2006/main" xmlns:r="http://schemas.openxmlformats.org/officeDocument/2006/relationships" xmlns:p="http://schemas.openxmlformats.org/presentationml/2006/main" saveSubsetFonts="1">
   <p:sldMasterIdLst>
     <p:sldMasterId id="2147484002" r:id="rId2"/>
+    <p:sldMasterId id="2147484014" r:id="rId3"/>
   </p:sldMasterIdLst>
   <p:notesMasterIdLst>
-    <p:notesMasterId r:id="rId28"/>
+    <p:notesMasterId r:id="rId29"/>
   </p:notesMasterIdLst>
   <p:handoutMasterIdLst>
-    <p:handoutMasterId r:id="rId29"/>
+    <p:handoutMasterId r:id="rId30"/>
   </p:handoutMasterIdLst>
   <p:sldIdLst>
-    <p:sldId id="307" r:id="rId3"/>
-    <p:sldId id="305" r:id="rId4"/>
-    <p:sldId id="284" r:id="rId5"/>
-    <p:sldId id="287" r:id="rId6"/>
-    <p:sldId id="288" r:id="rId7"/>
-    <p:sldId id="289" r:id="rId8"/>
-    <p:sldId id="290" r:id="rId9"/>
-    <p:sldId id="291" r:id="rId10"/>
-    <p:sldId id="285" r:id="rId11"/>
-    <p:sldId id="297" r:id="rId12"/>
-    <p:sldId id="315" r:id="rId13"/>
-    <p:sldId id="298" r:id="rId14"/>
-    <p:sldId id="313" r:id="rId15"/>
-    <p:sldId id="299" r:id="rId16"/>
-    <p:sldId id="308" r:id="rId17"/>
-    <p:sldId id="304" r:id="rId18"/>
-    <p:sldId id="292" r:id="rId19"/>
-    <p:sldId id="293" r:id="rId20"/>
-    <p:sldId id="294" r:id="rId21"/>
-    <p:sldId id="314" r:id="rId22"/>
-    <p:sldId id="295" r:id="rId23"/>
-    <p:sldId id="309" r:id="rId24"/>
-    <p:sldId id="310" r:id="rId25"/>
-    <p:sldId id="311" r:id="rId26"/>
-    <p:sldId id="312" r:id="rId27"/>
+    <p:sldId id="307" r:id="rId4"/>
+    <p:sldId id="305" r:id="rId5"/>
+    <p:sldId id="284" r:id="rId6"/>
+    <p:sldId id="287" r:id="rId7"/>
+    <p:sldId id="288" r:id="rId8"/>
+    <p:sldId id="289" r:id="rId9"/>
+    <p:sldId id="290" r:id="rId10"/>
+    <p:sldId id="291" r:id="rId11"/>
+    <p:sldId id="285" r:id="rId12"/>
+    <p:sldId id="297" r:id="rId13"/>
+    <p:sldId id="315" r:id="rId14"/>
+    <p:sldId id="298" r:id="rId15"/>
+    <p:sldId id="313" r:id="rId16"/>
+    <p:sldId id="299" r:id="rId17"/>
+    <p:sldId id="308" r:id="rId18"/>
+    <p:sldId id="304" r:id="rId19"/>
+    <p:sldId id="292" r:id="rId20"/>
+    <p:sldId id="293" r:id="rId21"/>
+    <p:sldId id="294" r:id="rId22"/>
+    <p:sldId id="314" r:id="rId23"/>
+    <p:sldId id="295" r:id="rId24"/>
+    <p:sldId id="309" r:id="rId25"/>
+    <p:sldId id="310" r:id="rId26"/>
+    <p:sldId id="311" r:id="rId27"/>
+    <p:sldId id="312" r:id="rId28"/>
   </p:sldIdLst>
   <p:sldSz cx="9144000" cy="6858000" type="screen4x3"/>
   <p:notesSz cx="6858000" cy="9144000"/>
@@ -312,7 +313,7 @@
               <a:pPr>
                 <a:defRPr/>
               </a:pPr>
-              <a:t>13 December 2016</a:t>
+              <a:t>16 December 2016</a:t>
             </a:fld>
             <a:endParaRPr lang="de-DE"/>
           </a:p>
@@ -624,7 +625,7 @@
               <a:pPr>
                 <a:defRPr/>
               </a:pPr>
-              <a:t>13. Dezember 2016</a:t>
+              <a:t>16. Dezember 2016</a:t>
             </a:fld>
             <a:r>
               <a:rPr lang="de-DE"/>
@@ -942,7 +943,7 @@
               <a:pPr>
                 <a:defRPr/>
               </a:pPr>
-              <a:t>13. Dezember 2016</a:t>
+              <a:t>16. Dezember 2016</a:t>
             </a:fld>
             <a:r>
               <a:rPr lang="de-DE"/>
@@ -1064,7 +1065,7 @@
               <a:pPr>
                 <a:defRPr/>
               </a:pPr>
-              <a:t>13. Dezember 2016</a:t>
+              <a:t>16. Dezember 2016</a:t>
             </a:fld>
             <a:r>
               <a:rPr lang="de-DE"/>
@@ -1383,7 +1384,7 @@
               <a:pPr>
                 <a:defRPr/>
               </a:pPr>
-              <a:t>13. Dezember 2016</a:t>
+              <a:t>16. Dezember 2016</a:t>
             </a:fld>
             <a:r>
               <a:rPr lang="de-DE"/>
@@ -1643,7 +1644,7 @@
               <a:pPr>
                 <a:defRPr/>
               </a:pPr>
-              <a:t>13. Dezember 2016</a:t>
+              <a:t>16. Dezember 2016</a:t>
             </a:fld>
             <a:r>
               <a:rPr lang="de-DE"/>
@@ -1767,7 +1768,7 @@
               <a:pPr>
                 <a:defRPr/>
               </a:pPr>
-              <a:t>13. Dezember 2016</a:t>
+              <a:t>16. Dezember 2016</a:t>
             </a:fld>
             <a:r>
               <a:rPr lang="de-DE"/>
@@ -1947,7 +1948,7 @@
           <a:p>
             <a:fld id="{EB5A137E-BC1C-407D-BFE8-80ECE3881BEF}" type="datetimeFigureOut">
               <a:rPr lang="en-US" smtClean="0"/>
-              <a:t>12/13/2016</a:t>
+              <a:t>12/16/2016</a:t>
             </a:fld>
             <a:endParaRPr lang="en-US"/>
           </a:p>
@@ -2115,7 +2116,7 @@
           <a:p>
             <a:fld id="{EB5A137E-BC1C-407D-BFE8-80ECE3881BEF}" type="datetimeFigureOut">
               <a:rPr lang="en-US" smtClean="0"/>
-              <a:t>12/13/2016</a:t>
+              <a:t>12/16/2016</a:t>
             </a:fld>
             <a:endParaRPr lang="en-US"/>
           </a:p>
@@ -2293,7 +2294,7 @@
           <a:p>
             <a:fld id="{EB5A137E-BC1C-407D-BFE8-80ECE3881BEF}" type="datetimeFigureOut">
               <a:rPr lang="en-US" smtClean="0"/>
-              <a:t>12/13/2016</a:t>
+              <a:t>12/16/2016</a:t>
             </a:fld>
             <a:endParaRPr lang="en-US"/>
           </a:p>
@@ -2345,6 +2346,1282 @@
     <p:extLst>
       <p:ext uri="{BB962C8B-B14F-4D97-AF65-F5344CB8AC3E}">
         <p14:creationId xmlns:p14="http://schemas.microsoft.com/office/powerpoint/2010/main" val="477135298"/>
+      </p:ext>
+    </p:extLst>
+  </p:cSld>
+  <p:clrMapOvr>
+    <a:masterClrMapping/>
+  </p:clrMapOvr>
+</p:sldLayout>
+</file>
+
+<file path=ppt/slideLayouts/slideLayout12.xml><?xml version="1.0" encoding="utf-8"?>
+<p:sldLayout xmlns:a="http://schemas.openxmlformats.org/drawingml/2006/main" xmlns:r="http://schemas.openxmlformats.org/officeDocument/2006/relationships" xmlns:p="http://schemas.openxmlformats.org/presentationml/2006/main" showMasterSp="0" type="title" preserve="1">
+  <p:cSld name="Rubrikbild">
+    <p:bg>
+      <p:bgPr>
+        <a:solidFill>
+          <a:schemeClr val="tx1"/>
+        </a:solidFill>
+        <a:effectLst/>
+      </p:bgPr>
+    </p:bg>
+    <p:spTree>
+      <p:nvGrpSpPr>
+        <p:cNvPr id="1" name=""/>
+        <p:cNvGrpSpPr/>
+        <p:nvPr/>
+      </p:nvGrpSpPr>
+      <p:grpSpPr>
+        <a:xfrm>
+          <a:off x="0" y="0"/>
+          <a:ext cx="0" cy="0"/>
+          <a:chOff x="0" y="0"/>
+          <a:chExt cx="0" cy="0"/>
+        </a:xfrm>
+      </p:grpSpPr>
+      <p:sp>
+        <p:nvSpPr>
+          <p:cNvPr id="9" name="Line 9"/>
+          <p:cNvSpPr>
+            <a:spLocks noChangeShapeType="1"/>
+          </p:cNvSpPr>
+          <p:nvPr/>
+        </p:nvSpPr>
+        <p:spPr bwMode="gray">
+          <a:xfrm>
+            <a:off x="1835150" y="4221163"/>
+            <a:ext cx="7308850" cy="0"/>
+          </a:xfrm>
+          <a:prstGeom prst="line">
+            <a:avLst/>
+          </a:prstGeom>
+          <a:noFill/>
+          <a:ln w="19050">
+            <a:solidFill>
+              <a:schemeClr val="bg2"/>
+            </a:solidFill>
+            <a:round/>
+            <a:headEnd/>
+            <a:tailEnd/>
+          </a:ln>
+          <a:effectLst/>
+        </p:spPr>
+        <p:txBody>
+          <a:bodyPr/>
+          <a:lstStyle/>
+          <a:p>
+            <a:pPr algn="ctr">
+              <a:buClr>
+                <a:schemeClr val="bg2"/>
+              </a:buClr>
+              <a:defRPr/>
+            </a:pPr>
+            <a:endParaRPr lang="sv-SE">
+              <a:cs typeface="+mn-cs"/>
+            </a:endParaRPr>
+          </a:p>
+        </p:txBody>
+      </p:sp>
+      <p:sp>
+        <p:nvSpPr>
+          <p:cNvPr id="5122" name="Rectangle 2"/>
+          <p:cNvSpPr>
+            <a:spLocks noGrp="1" noChangeArrowheads="1"/>
+          </p:cNvSpPr>
+          <p:nvPr>
+            <p:ph type="subTitle" idx="1"/>
+          </p:nvPr>
+        </p:nvSpPr>
+        <p:spPr>
+          <a:xfrm>
+            <a:off x="1835150" y="4221163"/>
+            <a:ext cx="6913563" cy="1800225"/>
+          </a:xfrm>
+        </p:spPr>
+        <p:txBody>
+          <a:bodyPr tIns="118800" bIns="45720"/>
+          <a:lstStyle>
+            <a:lvl1pPr marL="0" indent="0">
+              <a:buFontTx/>
+              <a:buNone/>
+              <a:defRPr sz="1600" b="1">
+                <a:solidFill>
+                  <a:schemeClr val="accent1"/>
+                </a:solidFill>
+              </a:defRPr>
+            </a:lvl1pPr>
+          </a:lstStyle>
+          <a:p>
+            <a:r>
+              <a:rPr lang="en-US"/>
+              <a:t>Click to edit Master subtitle style</a:t>
+            </a:r>
+            <a:endParaRPr lang="en-GB" dirty="0"/>
+          </a:p>
+        </p:txBody>
+      </p:sp>
+      <p:sp>
+        <p:nvSpPr>
+          <p:cNvPr id="5123" name="Rectangle 3"/>
+          <p:cNvSpPr>
+            <a:spLocks noGrp="1" noChangeArrowheads="1"/>
+          </p:cNvSpPr>
+          <p:nvPr>
+            <p:ph type="ctrTitle"/>
+          </p:nvPr>
+        </p:nvSpPr>
+        <p:spPr>
+          <a:xfrm>
+            <a:off x="1835150" y="3500438"/>
+            <a:ext cx="6913563" cy="720725"/>
+          </a:xfrm>
+        </p:spPr>
+        <p:txBody>
+          <a:bodyPr tIns="45720" bIns="82800" anchor="b"/>
+          <a:lstStyle>
+            <a:lvl1pPr>
+              <a:defRPr sz="2800">
+                <a:solidFill>
+                  <a:schemeClr val="accent1"/>
+                </a:solidFill>
+              </a:defRPr>
+            </a:lvl1pPr>
+          </a:lstStyle>
+          <a:p>
+            <a:r>
+              <a:rPr lang="en-US"/>
+              <a:t>Click to edit Master title style</a:t>
+            </a:r>
+            <a:endParaRPr lang="en-GB" dirty="0"/>
+          </a:p>
+        </p:txBody>
+      </p:sp>
+    </p:spTree>
+    <p:extLst>
+      <p:ext uri="{BB962C8B-B14F-4D97-AF65-F5344CB8AC3E}">
+        <p14:creationId xmlns:p14="http://schemas.microsoft.com/office/powerpoint/2010/main" val="659983198"/>
+      </p:ext>
+    </p:extLst>
+  </p:cSld>
+  <p:clrMapOvr>
+    <a:masterClrMapping/>
+  </p:clrMapOvr>
+</p:sldLayout>
+</file>
+
+<file path=ppt/slideLayouts/slideLayout13.xml><?xml version="1.0" encoding="utf-8"?>
+<p:sldLayout xmlns:a="http://schemas.openxmlformats.org/drawingml/2006/main" xmlns:r="http://schemas.openxmlformats.org/officeDocument/2006/relationships" xmlns:p="http://schemas.openxmlformats.org/presentationml/2006/main" type="secHead" preserve="1">
+  <p:cSld name="Avsnittsrubrik">
+    <p:bg>
+      <p:bgPr>
+        <a:solidFill>
+          <a:schemeClr val="tx2">
+            <a:lumMod val="50000"/>
+          </a:schemeClr>
+        </a:solidFill>
+        <a:effectLst/>
+      </p:bgPr>
+    </p:bg>
+    <p:spTree>
+      <p:nvGrpSpPr>
+        <p:cNvPr id="1" name=""/>
+        <p:cNvGrpSpPr/>
+        <p:nvPr/>
+      </p:nvGrpSpPr>
+      <p:grpSpPr>
+        <a:xfrm>
+          <a:off x="0" y="0"/>
+          <a:ext cx="0" cy="0"/>
+          <a:chOff x="0" y="0"/>
+          <a:chExt cx="0" cy="0"/>
+        </a:xfrm>
+      </p:grpSpPr>
+      <p:sp>
+        <p:nvSpPr>
+          <p:cNvPr id="2" name="Title 1"/>
+          <p:cNvSpPr>
+            <a:spLocks noGrp="1"/>
+          </p:cNvSpPr>
+          <p:nvPr>
+            <p:ph type="title"/>
+          </p:nvPr>
+        </p:nvSpPr>
+        <p:spPr>
+          <a:xfrm>
+            <a:off x="722313" y="4406900"/>
+            <a:ext cx="7772400" cy="1362075"/>
+          </a:xfrm>
+        </p:spPr>
+        <p:txBody>
+          <a:bodyPr anchor="t"/>
+          <a:lstStyle>
+            <a:lvl1pPr algn="l">
+              <a:defRPr sz="4000" b="1" cap="all">
+                <a:solidFill>
+                  <a:schemeClr val="bg1"/>
+                </a:solidFill>
+              </a:defRPr>
+            </a:lvl1pPr>
+          </a:lstStyle>
+          <a:p>
+            <a:r>
+              <a:rPr lang="en-US"/>
+              <a:t>Click to edit Master title style</a:t>
+            </a:r>
+            <a:endParaRPr lang="sv-SE" dirty="0"/>
+          </a:p>
+        </p:txBody>
+      </p:sp>
+      <p:sp>
+        <p:nvSpPr>
+          <p:cNvPr id="3" name="Text Placeholder 2"/>
+          <p:cNvSpPr>
+            <a:spLocks noGrp="1"/>
+          </p:cNvSpPr>
+          <p:nvPr>
+            <p:ph type="body" idx="1"/>
+          </p:nvPr>
+        </p:nvSpPr>
+        <p:spPr>
+          <a:xfrm>
+            <a:off x="722313" y="2906713"/>
+            <a:ext cx="7772400" cy="1500187"/>
+          </a:xfrm>
+        </p:spPr>
+        <p:txBody>
+          <a:bodyPr anchor="b"/>
+          <a:lstStyle>
+            <a:lvl1pPr marL="0" indent="0">
+              <a:buNone/>
+              <a:defRPr sz="2000">
+                <a:solidFill>
+                  <a:schemeClr val="bg1"/>
+                </a:solidFill>
+              </a:defRPr>
+            </a:lvl1pPr>
+            <a:lvl2pPr marL="457200" indent="0">
+              <a:buNone/>
+              <a:defRPr sz="1800"/>
+            </a:lvl2pPr>
+            <a:lvl3pPr marL="914400" indent="0">
+              <a:buNone/>
+              <a:defRPr sz="1600"/>
+            </a:lvl3pPr>
+            <a:lvl4pPr marL="1371600" indent="0">
+              <a:buNone/>
+              <a:defRPr sz="1400"/>
+            </a:lvl4pPr>
+            <a:lvl5pPr marL="1828800" indent="0">
+              <a:buNone/>
+              <a:defRPr sz="1400"/>
+            </a:lvl5pPr>
+            <a:lvl6pPr marL="2286000" indent="0">
+              <a:buNone/>
+              <a:defRPr sz="1400"/>
+            </a:lvl6pPr>
+            <a:lvl7pPr marL="2743200" indent="0">
+              <a:buNone/>
+              <a:defRPr sz="1400"/>
+            </a:lvl7pPr>
+            <a:lvl8pPr marL="3200400" indent="0">
+              <a:buNone/>
+              <a:defRPr sz="1400"/>
+            </a:lvl8pPr>
+            <a:lvl9pPr marL="3657600" indent="0">
+              <a:buNone/>
+              <a:defRPr sz="1400"/>
+            </a:lvl9pPr>
+          </a:lstStyle>
+          <a:p>
+            <a:pPr lvl="0"/>
+            <a:r>
+              <a:rPr lang="en-US"/>
+              <a:t>Edit Master text styles</a:t>
+            </a:r>
+          </a:p>
+        </p:txBody>
+      </p:sp>
+      <p:sp>
+        <p:nvSpPr>
+          <p:cNvPr id="10" name="Platshållare för bildnummer 5"/>
+          <p:cNvSpPr>
+            <a:spLocks noGrp="1"/>
+          </p:cNvSpPr>
+          <p:nvPr>
+            <p:ph type="sldNum" sz="quarter" idx="4"/>
+          </p:nvPr>
+        </p:nvSpPr>
+        <p:spPr>
+          <a:xfrm>
+            <a:off x="4680064" y="6350023"/>
+            <a:ext cx="468000" cy="365125"/>
+          </a:xfrm>
+          <a:prstGeom prst="rect">
+            <a:avLst/>
+          </a:prstGeom>
+        </p:spPr>
+        <p:txBody>
+          <a:bodyPr vert="horz" lIns="91440" tIns="45720" rIns="91440" bIns="45720" rtlCol="0" anchor="ctr"/>
+          <a:lstStyle>
+            <a:lvl1pPr algn="r">
+              <a:defRPr sz="900">
+                <a:solidFill>
+                  <a:schemeClr val="bg1"/>
+                </a:solidFill>
+                <a:latin typeface="Verdana" pitchFamily="34" charset="0"/>
+                <a:ea typeface="Verdana" pitchFamily="34" charset="0"/>
+                <a:cs typeface="Verdana" pitchFamily="34" charset="0"/>
+              </a:defRPr>
+            </a:lvl1pPr>
+          </a:lstStyle>
+          <a:p>
+            <a:fld id="{0DF61F93-68C1-4A2B-AE58-3B69966875A7}" type="slidenum">
+              <a:rPr lang="en-US" smtClean="0"/>
+              <a:t>‹#›</a:t>
+            </a:fld>
+            <a:endParaRPr lang="en-US"/>
+          </a:p>
+        </p:txBody>
+      </p:sp>
+    </p:spTree>
+    <p:extLst>
+      <p:ext uri="{BB962C8B-B14F-4D97-AF65-F5344CB8AC3E}">
+        <p14:creationId xmlns:p14="http://schemas.microsoft.com/office/powerpoint/2010/main" val="3014170360"/>
+      </p:ext>
+    </p:extLst>
+  </p:cSld>
+  <p:clrMapOvr>
+    <a:masterClrMapping/>
+  </p:clrMapOvr>
+</p:sldLayout>
+</file>
+
+<file path=ppt/slideLayouts/slideLayout14.xml><?xml version="1.0" encoding="utf-8"?>
+<p:sldLayout xmlns:a="http://schemas.openxmlformats.org/drawingml/2006/main" xmlns:r="http://schemas.openxmlformats.org/officeDocument/2006/relationships" xmlns:p="http://schemas.openxmlformats.org/presentationml/2006/main" type="obj" preserve="1">
+  <p:cSld name="Rubrik och innehåll">
+    <p:spTree>
+      <p:nvGrpSpPr>
+        <p:cNvPr id="1" name=""/>
+        <p:cNvGrpSpPr/>
+        <p:nvPr/>
+      </p:nvGrpSpPr>
+      <p:grpSpPr>
+        <a:xfrm>
+          <a:off x="0" y="0"/>
+          <a:ext cx="0" cy="0"/>
+          <a:chOff x="0" y="0"/>
+          <a:chExt cx="0" cy="0"/>
+        </a:xfrm>
+      </p:grpSpPr>
+      <p:sp>
+        <p:nvSpPr>
+          <p:cNvPr id="2" name="Title 1"/>
+          <p:cNvSpPr>
+            <a:spLocks noGrp="1"/>
+          </p:cNvSpPr>
+          <p:nvPr>
+            <p:ph type="title"/>
+          </p:nvPr>
+        </p:nvSpPr>
+        <p:spPr/>
+        <p:txBody>
+          <a:bodyPr/>
+          <a:lstStyle/>
+          <a:p>
+            <a:r>
+              <a:rPr lang="en-US"/>
+              <a:t>Click to edit Master title style</a:t>
+            </a:r>
+            <a:endParaRPr lang="sv-SE"/>
+          </a:p>
+        </p:txBody>
+      </p:sp>
+      <p:sp>
+        <p:nvSpPr>
+          <p:cNvPr id="3" name="Content Placeholder 2"/>
+          <p:cNvSpPr>
+            <a:spLocks noGrp="1"/>
+          </p:cNvSpPr>
+          <p:nvPr>
+            <p:ph idx="1"/>
+          </p:nvPr>
+        </p:nvSpPr>
+        <p:spPr/>
+        <p:txBody>
+          <a:bodyPr/>
+          <a:lstStyle>
+            <a:lvl1pPr marL="177800" indent="-177800">
+              <a:buClr>
+                <a:schemeClr val="accent1"/>
+              </a:buClr>
+              <a:buFont typeface="Wingdings" pitchFamily="2" charset="2"/>
+              <a:buChar char="§"/>
+              <a:defRPr/>
+            </a:lvl1pPr>
+            <a:lvl2pPr marL="541338" indent="-184150">
+              <a:buClr>
+                <a:schemeClr val="accent1"/>
+              </a:buClr>
+              <a:buFont typeface="Wingdings" pitchFamily="2" charset="2"/>
+              <a:buChar char="§"/>
+              <a:defRPr/>
+            </a:lvl2pPr>
+            <a:lvl3pPr marL="896938" indent="-176213">
+              <a:buClr>
+                <a:schemeClr val="accent1"/>
+              </a:buClr>
+              <a:buFont typeface="Wingdings" pitchFamily="2" charset="2"/>
+              <a:buChar char="§"/>
+              <a:defRPr/>
+            </a:lvl3pPr>
+            <a:lvl4pPr marL="1252538" indent="-176213">
+              <a:buClr>
+                <a:schemeClr val="accent1"/>
+              </a:buClr>
+              <a:buFont typeface="Wingdings" pitchFamily="2" charset="2"/>
+              <a:buChar char="§"/>
+              <a:defRPr/>
+            </a:lvl4pPr>
+            <a:lvl5pPr marL="1616075" indent="-184150">
+              <a:buClr>
+                <a:schemeClr val="accent1"/>
+              </a:buClr>
+              <a:buFont typeface="Wingdings" pitchFamily="2" charset="2"/>
+              <a:buChar char="§"/>
+              <a:defRPr/>
+            </a:lvl5pPr>
+          </a:lstStyle>
+          <a:p>
+            <a:pPr lvl="0"/>
+            <a:r>
+              <a:rPr lang="en-US"/>
+              <a:t>Edit Master text styles</a:t>
+            </a:r>
+          </a:p>
+          <a:p>
+            <a:pPr lvl="1"/>
+            <a:r>
+              <a:rPr lang="en-US"/>
+              <a:t>Second level</a:t>
+            </a:r>
+          </a:p>
+          <a:p>
+            <a:pPr lvl="2"/>
+            <a:r>
+              <a:rPr lang="en-US"/>
+              <a:t>Third level</a:t>
+            </a:r>
+          </a:p>
+          <a:p>
+            <a:pPr lvl="3"/>
+            <a:r>
+              <a:rPr lang="en-US"/>
+              <a:t>Fourth level</a:t>
+            </a:r>
+          </a:p>
+          <a:p>
+            <a:pPr lvl="4"/>
+            <a:r>
+              <a:rPr lang="en-US"/>
+              <a:t>Fifth level</a:t>
+            </a:r>
+            <a:endParaRPr lang="sv-SE" dirty="0"/>
+          </a:p>
+        </p:txBody>
+      </p:sp>
+    </p:spTree>
+    <p:extLst>
+      <p:ext uri="{BB962C8B-B14F-4D97-AF65-F5344CB8AC3E}">
+        <p14:creationId xmlns:p14="http://schemas.microsoft.com/office/powerpoint/2010/main" val="4243094761"/>
+      </p:ext>
+    </p:extLst>
+  </p:cSld>
+  <p:clrMapOvr>
+    <a:masterClrMapping/>
+  </p:clrMapOvr>
+</p:sldLayout>
+</file>
+
+<file path=ppt/slideLayouts/slideLayout15.xml><?xml version="1.0" encoding="utf-8"?>
+<p:sldLayout xmlns:a="http://schemas.openxmlformats.org/drawingml/2006/main" xmlns:r="http://schemas.openxmlformats.org/officeDocument/2006/relationships" xmlns:p="http://schemas.openxmlformats.org/presentationml/2006/main" type="twoObj" preserve="1">
+  <p:cSld name="Två innehållsdelar">
+    <p:spTree>
+      <p:nvGrpSpPr>
+        <p:cNvPr id="1" name=""/>
+        <p:cNvGrpSpPr/>
+        <p:nvPr/>
+      </p:nvGrpSpPr>
+      <p:grpSpPr>
+        <a:xfrm>
+          <a:off x="0" y="0"/>
+          <a:ext cx="0" cy="0"/>
+          <a:chOff x="0" y="0"/>
+          <a:chExt cx="0" cy="0"/>
+        </a:xfrm>
+      </p:grpSpPr>
+      <p:sp>
+        <p:nvSpPr>
+          <p:cNvPr id="2" name="Title 1"/>
+          <p:cNvSpPr>
+            <a:spLocks noGrp="1"/>
+          </p:cNvSpPr>
+          <p:nvPr>
+            <p:ph type="title"/>
+          </p:nvPr>
+        </p:nvSpPr>
+        <p:spPr/>
+        <p:txBody>
+          <a:bodyPr/>
+          <a:lstStyle/>
+          <a:p>
+            <a:r>
+              <a:rPr lang="en-US"/>
+              <a:t>Click to edit Master title style</a:t>
+            </a:r>
+            <a:endParaRPr lang="sv-SE"/>
+          </a:p>
+        </p:txBody>
+      </p:sp>
+      <p:sp>
+        <p:nvSpPr>
+          <p:cNvPr id="3" name="Content Placeholder 2"/>
+          <p:cNvSpPr>
+            <a:spLocks noGrp="1"/>
+          </p:cNvSpPr>
+          <p:nvPr>
+            <p:ph sz="half" idx="1"/>
+          </p:nvPr>
+        </p:nvSpPr>
+        <p:spPr>
+          <a:xfrm>
+            <a:off x="395288" y="1484313"/>
+            <a:ext cx="4100512" cy="4608512"/>
+          </a:xfrm>
+        </p:spPr>
+        <p:txBody>
+          <a:bodyPr/>
+          <a:lstStyle>
+            <a:lvl1pPr>
+              <a:defRPr sz="2800"/>
+            </a:lvl1pPr>
+            <a:lvl2pPr>
+              <a:defRPr sz="2400"/>
+            </a:lvl2pPr>
+            <a:lvl3pPr>
+              <a:defRPr sz="2000"/>
+            </a:lvl3pPr>
+            <a:lvl4pPr>
+              <a:defRPr sz="1800"/>
+            </a:lvl4pPr>
+            <a:lvl5pPr>
+              <a:defRPr sz="1800"/>
+            </a:lvl5pPr>
+            <a:lvl6pPr>
+              <a:defRPr sz="1800"/>
+            </a:lvl6pPr>
+            <a:lvl7pPr>
+              <a:defRPr sz="1800"/>
+            </a:lvl7pPr>
+            <a:lvl8pPr>
+              <a:defRPr sz="1800"/>
+            </a:lvl8pPr>
+            <a:lvl9pPr>
+              <a:defRPr sz="1800"/>
+            </a:lvl9pPr>
+          </a:lstStyle>
+          <a:p>
+            <a:pPr lvl="0"/>
+            <a:r>
+              <a:rPr lang="en-US"/>
+              <a:t>Edit Master text styles</a:t>
+            </a:r>
+          </a:p>
+          <a:p>
+            <a:pPr lvl="1"/>
+            <a:r>
+              <a:rPr lang="en-US"/>
+              <a:t>Second level</a:t>
+            </a:r>
+          </a:p>
+          <a:p>
+            <a:pPr lvl="2"/>
+            <a:r>
+              <a:rPr lang="en-US"/>
+              <a:t>Third level</a:t>
+            </a:r>
+          </a:p>
+          <a:p>
+            <a:pPr lvl="3"/>
+            <a:r>
+              <a:rPr lang="en-US"/>
+              <a:t>Fourth level</a:t>
+            </a:r>
+          </a:p>
+          <a:p>
+            <a:pPr lvl="4"/>
+            <a:r>
+              <a:rPr lang="en-US"/>
+              <a:t>Fifth level</a:t>
+            </a:r>
+            <a:endParaRPr lang="sv-SE" dirty="0"/>
+          </a:p>
+        </p:txBody>
+      </p:sp>
+      <p:sp>
+        <p:nvSpPr>
+          <p:cNvPr id="4" name="Content Placeholder 3"/>
+          <p:cNvSpPr>
+            <a:spLocks noGrp="1"/>
+          </p:cNvSpPr>
+          <p:nvPr>
+            <p:ph sz="half" idx="2"/>
+          </p:nvPr>
+        </p:nvSpPr>
+        <p:spPr>
+          <a:xfrm>
+            <a:off x="4648200" y="1484313"/>
+            <a:ext cx="4100513" cy="4608512"/>
+          </a:xfrm>
+        </p:spPr>
+        <p:txBody>
+          <a:bodyPr/>
+          <a:lstStyle>
+            <a:lvl1pPr>
+              <a:defRPr sz="2800"/>
+            </a:lvl1pPr>
+            <a:lvl2pPr>
+              <a:defRPr sz="2400"/>
+            </a:lvl2pPr>
+            <a:lvl3pPr>
+              <a:defRPr sz="2000"/>
+            </a:lvl3pPr>
+            <a:lvl4pPr>
+              <a:defRPr sz="1800"/>
+            </a:lvl4pPr>
+            <a:lvl5pPr>
+              <a:defRPr sz="1800"/>
+            </a:lvl5pPr>
+            <a:lvl6pPr>
+              <a:defRPr sz="1800"/>
+            </a:lvl6pPr>
+            <a:lvl7pPr>
+              <a:defRPr sz="1800"/>
+            </a:lvl7pPr>
+            <a:lvl8pPr>
+              <a:defRPr sz="1800"/>
+            </a:lvl8pPr>
+            <a:lvl9pPr>
+              <a:defRPr sz="1800"/>
+            </a:lvl9pPr>
+          </a:lstStyle>
+          <a:p>
+            <a:pPr lvl="0"/>
+            <a:r>
+              <a:rPr lang="en-US"/>
+              <a:t>Edit Master text styles</a:t>
+            </a:r>
+          </a:p>
+          <a:p>
+            <a:pPr lvl="1"/>
+            <a:r>
+              <a:rPr lang="en-US"/>
+              <a:t>Second level</a:t>
+            </a:r>
+          </a:p>
+          <a:p>
+            <a:pPr lvl="2"/>
+            <a:r>
+              <a:rPr lang="en-US"/>
+              <a:t>Third level</a:t>
+            </a:r>
+          </a:p>
+          <a:p>
+            <a:pPr lvl="3"/>
+            <a:r>
+              <a:rPr lang="en-US"/>
+              <a:t>Fourth level</a:t>
+            </a:r>
+          </a:p>
+          <a:p>
+            <a:pPr lvl="4"/>
+            <a:r>
+              <a:rPr lang="en-US"/>
+              <a:t>Fifth level</a:t>
+            </a:r>
+            <a:endParaRPr lang="sv-SE" dirty="0"/>
+          </a:p>
+        </p:txBody>
+      </p:sp>
+    </p:spTree>
+    <p:extLst>
+      <p:ext uri="{BB962C8B-B14F-4D97-AF65-F5344CB8AC3E}">
+        <p14:creationId xmlns:p14="http://schemas.microsoft.com/office/powerpoint/2010/main" val="2430813433"/>
+      </p:ext>
+    </p:extLst>
+  </p:cSld>
+  <p:clrMapOvr>
+    <a:masterClrMapping/>
+  </p:clrMapOvr>
+</p:sldLayout>
+</file>
+
+<file path=ppt/slideLayouts/slideLayout16.xml><?xml version="1.0" encoding="utf-8"?>
+<p:sldLayout xmlns:a="http://schemas.openxmlformats.org/drawingml/2006/main" xmlns:r="http://schemas.openxmlformats.org/officeDocument/2006/relationships" xmlns:p="http://schemas.openxmlformats.org/presentationml/2006/main" type="twoTxTwoObj" preserve="1">
+  <p:cSld name="Jämförelse">
+    <p:spTree>
+      <p:nvGrpSpPr>
+        <p:cNvPr id="1" name=""/>
+        <p:cNvGrpSpPr/>
+        <p:nvPr/>
+      </p:nvGrpSpPr>
+      <p:grpSpPr>
+        <a:xfrm>
+          <a:off x="0" y="0"/>
+          <a:ext cx="0" cy="0"/>
+          <a:chOff x="0" y="0"/>
+          <a:chExt cx="0" cy="0"/>
+        </a:xfrm>
+      </p:grpSpPr>
+      <p:sp>
+        <p:nvSpPr>
+          <p:cNvPr id="2" name="Title 1"/>
+          <p:cNvSpPr>
+            <a:spLocks noGrp="1"/>
+          </p:cNvSpPr>
+          <p:nvPr>
+            <p:ph type="title"/>
+          </p:nvPr>
+        </p:nvSpPr>
+        <p:spPr>
+          <a:xfrm>
+            <a:off x="457200" y="274638"/>
+            <a:ext cx="8229600" cy="1143000"/>
+          </a:xfrm>
+        </p:spPr>
+        <p:txBody>
+          <a:bodyPr/>
+          <a:lstStyle>
+            <a:lvl1pPr>
+              <a:defRPr/>
+            </a:lvl1pPr>
+          </a:lstStyle>
+          <a:p>
+            <a:r>
+              <a:rPr lang="en-US"/>
+              <a:t>Click to edit Master title style</a:t>
+            </a:r>
+            <a:endParaRPr lang="sv-SE"/>
+          </a:p>
+        </p:txBody>
+      </p:sp>
+      <p:sp>
+        <p:nvSpPr>
+          <p:cNvPr id="3" name="Text Placeholder 2"/>
+          <p:cNvSpPr>
+            <a:spLocks noGrp="1"/>
+          </p:cNvSpPr>
+          <p:nvPr>
+            <p:ph type="body" idx="1"/>
+          </p:nvPr>
+        </p:nvSpPr>
+        <p:spPr>
+          <a:xfrm>
+            <a:off x="457200" y="1535113"/>
+            <a:ext cx="4040188" cy="639762"/>
+          </a:xfrm>
+        </p:spPr>
+        <p:txBody>
+          <a:bodyPr anchor="b"/>
+          <a:lstStyle>
+            <a:lvl1pPr marL="0" indent="0">
+              <a:buNone/>
+              <a:defRPr sz="2400" b="1"/>
+            </a:lvl1pPr>
+            <a:lvl2pPr marL="457200" indent="0">
+              <a:buNone/>
+              <a:defRPr sz="2000" b="1"/>
+            </a:lvl2pPr>
+            <a:lvl3pPr marL="914400" indent="0">
+              <a:buNone/>
+              <a:defRPr sz="1800" b="1"/>
+            </a:lvl3pPr>
+            <a:lvl4pPr marL="1371600" indent="0">
+              <a:buNone/>
+              <a:defRPr sz="1600" b="1"/>
+            </a:lvl4pPr>
+            <a:lvl5pPr marL="1828800" indent="0">
+              <a:buNone/>
+              <a:defRPr sz="1600" b="1"/>
+            </a:lvl5pPr>
+            <a:lvl6pPr marL="2286000" indent="0">
+              <a:buNone/>
+              <a:defRPr sz="1600" b="1"/>
+            </a:lvl6pPr>
+            <a:lvl7pPr marL="2743200" indent="0">
+              <a:buNone/>
+              <a:defRPr sz="1600" b="1"/>
+            </a:lvl7pPr>
+            <a:lvl8pPr marL="3200400" indent="0">
+              <a:buNone/>
+              <a:defRPr sz="1600" b="1"/>
+            </a:lvl8pPr>
+            <a:lvl9pPr marL="3657600" indent="0">
+              <a:buNone/>
+              <a:defRPr sz="1600" b="1"/>
+            </a:lvl9pPr>
+          </a:lstStyle>
+          <a:p>
+            <a:pPr lvl="0"/>
+            <a:r>
+              <a:rPr lang="en-US"/>
+              <a:t>Edit Master text styles</a:t>
+            </a:r>
+          </a:p>
+        </p:txBody>
+      </p:sp>
+      <p:sp>
+        <p:nvSpPr>
+          <p:cNvPr id="4" name="Content Placeholder 3"/>
+          <p:cNvSpPr>
+            <a:spLocks noGrp="1"/>
+          </p:cNvSpPr>
+          <p:nvPr>
+            <p:ph sz="half" idx="2"/>
+          </p:nvPr>
+        </p:nvSpPr>
+        <p:spPr>
+          <a:xfrm>
+            <a:off x="457200" y="2174875"/>
+            <a:ext cx="4040188" cy="3951288"/>
+          </a:xfrm>
+        </p:spPr>
+        <p:txBody>
+          <a:bodyPr/>
+          <a:lstStyle>
+            <a:lvl1pPr>
+              <a:defRPr sz="2400"/>
+            </a:lvl1pPr>
+            <a:lvl2pPr>
+              <a:defRPr sz="2000"/>
+            </a:lvl2pPr>
+            <a:lvl3pPr>
+              <a:defRPr sz="1800"/>
+            </a:lvl3pPr>
+            <a:lvl4pPr>
+              <a:defRPr sz="1600"/>
+            </a:lvl4pPr>
+            <a:lvl5pPr>
+              <a:defRPr sz="1600"/>
+            </a:lvl5pPr>
+            <a:lvl6pPr>
+              <a:defRPr sz="1600"/>
+            </a:lvl6pPr>
+            <a:lvl7pPr>
+              <a:defRPr sz="1600"/>
+            </a:lvl7pPr>
+            <a:lvl8pPr>
+              <a:defRPr sz="1600"/>
+            </a:lvl8pPr>
+            <a:lvl9pPr>
+              <a:defRPr sz="1600"/>
+            </a:lvl9pPr>
+          </a:lstStyle>
+          <a:p>
+            <a:pPr lvl="0"/>
+            <a:r>
+              <a:rPr lang="en-US"/>
+              <a:t>Edit Master text styles</a:t>
+            </a:r>
+          </a:p>
+          <a:p>
+            <a:pPr lvl="1"/>
+            <a:r>
+              <a:rPr lang="en-US"/>
+              <a:t>Second level</a:t>
+            </a:r>
+          </a:p>
+          <a:p>
+            <a:pPr lvl="2"/>
+            <a:r>
+              <a:rPr lang="en-US"/>
+              <a:t>Third level</a:t>
+            </a:r>
+          </a:p>
+          <a:p>
+            <a:pPr lvl="3"/>
+            <a:r>
+              <a:rPr lang="en-US"/>
+              <a:t>Fourth level</a:t>
+            </a:r>
+          </a:p>
+          <a:p>
+            <a:pPr lvl="4"/>
+            <a:r>
+              <a:rPr lang="en-US"/>
+              <a:t>Fifth level</a:t>
+            </a:r>
+            <a:endParaRPr lang="sv-SE" dirty="0"/>
+          </a:p>
+        </p:txBody>
+      </p:sp>
+      <p:sp>
+        <p:nvSpPr>
+          <p:cNvPr id="5" name="Text Placeholder 4"/>
+          <p:cNvSpPr>
+            <a:spLocks noGrp="1"/>
+          </p:cNvSpPr>
+          <p:nvPr>
+            <p:ph type="body" sz="quarter" idx="3"/>
+          </p:nvPr>
+        </p:nvSpPr>
+        <p:spPr>
+          <a:xfrm>
+            <a:off x="4645025" y="1535113"/>
+            <a:ext cx="4041775" cy="639762"/>
+          </a:xfrm>
+        </p:spPr>
+        <p:txBody>
+          <a:bodyPr anchor="b"/>
+          <a:lstStyle>
+            <a:lvl1pPr marL="0" indent="0">
+              <a:buNone/>
+              <a:defRPr sz="2400" b="1"/>
+            </a:lvl1pPr>
+            <a:lvl2pPr marL="457200" indent="0">
+              <a:buNone/>
+              <a:defRPr sz="2000" b="1"/>
+            </a:lvl2pPr>
+            <a:lvl3pPr marL="914400" indent="0">
+              <a:buNone/>
+              <a:defRPr sz="1800" b="1"/>
+            </a:lvl3pPr>
+            <a:lvl4pPr marL="1371600" indent="0">
+              <a:buNone/>
+              <a:defRPr sz="1600" b="1"/>
+            </a:lvl4pPr>
+            <a:lvl5pPr marL="1828800" indent="0">
+              <a:buNone/>
+              <a:defRPr sz="1600" b="1"/>
+            </a:lvl5pPr>
+            <a:lvl6pPr marL="2286000" indent="0">
+              <a:buNone/>
+              <a:defRPr sz="1600" b="1"/>
+            </a:lvl6pPr>
+            <a:lvl7pPr marL="2743200" indent="0">
+              <a:buNone/>
+              <a:defRPr sz="1600" b="1"/>
+            </a:lvl7pPr>
+            <a:lvl8pPr marL="3200400" indent="0">
+              <a:buNone/>
+              <a:defRPr sz="1600" b="1"/>
+            </a:lvl8pPr>
+            <a:lvl9pPr marL="3657600" indent="0">
+              <a:buNone/>
+              <a:defRPr sz="1600" b="1"/>
+            </a:lvl9pPr>
+          </a:lstStyle>
+          <a:p>
+            <a:pPr lvl="0"/>
+            <a:r>
+              <a:rPr lang="en-US"/>
+              <a:t>Edit Master text styles</a:t>
+            </a:r>
+          </a:p>
+        </p:txBody>
+      </p:sp>
+      <p:sp>
+        <p:nvSpPr>
+          <p:cNvPr id="6" name="Content Placeholder 5"/>
+          <p:cNvSpPr>
+            <a:spLocks noGrp="1"/>
+          </p:cNvSpPr>
+          <p:nvPr>
+            <p:ph sz="quarter" idx="4"/>
+          </p:nvPr>
+        </p:nvSpPr>
+        <p:spPr>
+          <a:xfrm>
+            <a:off x="4645025" y="2174875"/>
+            <a:ext cx="4041775" cy="3951288"/>
+          </a:xfrm>
+        </p:spPr>
+        <p:txBody>
+          <a:bodyPr/>
+          <a:lstStyle>
+            <a:lvl1pPr>
+              <a:defRPr sz="2400"/>
+            </a:lvl1pPr>
+            <a:lvl2pPr>
+              <a:defRPr sz="2000"/>
+            </a:lvl2pPr>
+            <a:lvl3pPr>
+              <a:defRPr sz="1800"/>
+            </a:lvl3pPr>
+            <a:lvl4pPr>
+              <a:defRPr sz="1600"/>
+            </a:lvl4pPr>
+            <a:lvl5pPr>
+              <a:defRPr sz="1600"/>
+            </a:lvl5pPr>
+            <a:lvl6pPr>
+              <a:defRPr sz="1600"/>
+            </a:lvl6pPr>
+            <a:lvl7pPr>
+              <a:defRPr sz="1600"/>
+            </a:lvl7pPr>
+            <a:lvl8pPr>
+              <a:defRPr sz="1600"/>
+            </a:lvl8pPr>
+            <a:lvl9pPr>
+              <a:defRPr sz="1600"/>
+            </a:lvl9pPr>
+          </a:lstStyle>
+          <a:p>
+            <a:pPr lvl="0"/>
+            <a:r>
+              <a:rPr lang="en-US"/>
+              <a:t>Edit Master text styles</a:t>
+            </a:r>
+          </a:p>
+          <a:p>
+            <a:pPr lvl="1"/>
+            <a:r>
+              <a:rPr lang="en-US"/>
+              <a:t>Second level</a:t>
+            </a:r>
+          </a:p>
+          <a:p>
+            <a:pPr lvl="2"/>
+            <a:r>
+              <a:rPr lang="en-US"/>
+              <a:t>Third level</a:t>
+            </a:r>
+          </a:p>
+          <a:p>
+            <a:pPr lvl="3"/>
+            <a:r>
+              <a:rPr lang="en-US"/>
+              <a:t>Fourth level</a:t>
+            </a:r>
+          </a:p>
+          <a:p>
+            <a:pPr lvl="4"/>
+            <a:r>
+              <a:rPr lang="en-US"/>
+              <a:t>Fifth level</a:t>
+            </a:r>
+            <a:endParaRPr lang="sv-SE" dirty="0"/>
+          </a:p>
+        </p:txBody>
+      </p:sp>
+    </p:spTree>
+    <p:extLst>
+      <p:ext uri="{BB962C8B-B14F-4D97-AF65-F5344CB8AC3E}">
+        <p14:creationId xmlns:p14="http://schemas.microsoft.com/office/powerpoint/2010/main" val="198127531"/>
+      </p:ext>
+    </p:extLst>
+  </p:cSld>
+  <p:clrMapOvr>
+    <a:masterClrMapping/>
+  </p:clrMapOvr>
+</p:sldLayout>
+</file>
+
+<file path=ppt/slideLayouts/slideLayout17.xml><?xml version="1.0" encoding="utf-8"?>
+<p:sldLayout xmlns:a="http://schemas.openxmlformats.org/drawingml/2006/main" xmlns:r="http://schemas.openxmlformats.org/officeDocument/2006/relationships" xmlns:p="http://schemas.openxmlformats.org/presentationml/2006/main" type="titleOnly" preserve="1">
+  <p:cSld name="Endast rubrik">
+    <p:spTree>
+      <p:nvGrpSpPr>
+        <p:cNvPr id="1" name=""/>
+        <p:cNvGrpSpPr/>
+        <p:nvPr/>
+      </p:nvGrpSpPr>
+      <p:grpSpPr>
+        <a:xfrm>
+          <a:off x="0" y="0"/>
+          <a:ext cx="0" cy="0"/>
+          <a:chOff x="0" y="0"/>
+          <a:chExt cx="0" cy="0"/>
+        </a:xfrm>
+      </p:grpSpPr>
+      <p:sp>
+        <p:nvSpPr>
+          <p:cNvPr id="2" name="Title 1"/>
+          <p:cNvSpPr>
+            <a:spLocks noGrp="1"/>
+          </p:cNvSpPr>
+          <p:nvPr>
+            <p:ph type="title"/>
+          </p:nvPr>
+        </p:nvSpPr>
+        <p:spPr/>
+        <p:txBody>
+          <a:bodyPr/>
+          <a:lstStyle/>
+          <a:p>
+            <a:r>
+              <a:rPr lang="en-US"/>
+              <a:t>Click to edit Master title style</a:t>
+            </a:r>
+            <a:endParaRPr lang="sv-SE"/>
+          </a:p>
+        </p:txBody>
+      </p:sp>
+    </p:spTree>
+    <p:extLst>
+      <p:ext uri="{BB962C8B-B14F-4D97-AF65-F5344CB8AC3E}">
+        <p14:creationId xmlns:p14="http://schemas.microsoft.com/office/powerpoint/2010/main" val="3148011757"/>
+      </p:ext>
+    </p:extLst>
+  </p:cSld>
+  <p:clrMapOvr>
+    <a:masterClrMapping/>
+  </p:clrMapOvr>
+</p:sldLayout>
+</file>
+
+<file path=ppt/slideLayouts/slideLayout18.xml><?xml version="1.0" encoding="utf-8"?>
+<p:sldLayout xmlns:a="http://schemas.openxmlformats.org/drawingml/2006/main" xmlns:r="http://schemas.openxmlformats.org/officeDocument/2006/relationships" xmlns:p="http://schemas.openxmlformats.org/presentationml/2006/main" type="titleOnly" preserve="1">
+  <p:cSld name="Endast rubrik utan logga">
+    <p:spTree>
+      <p:nvGrpSpPr>
+        <p:cNvPr id="1" name=""/>
+        <p:cNvGrpSpPr/>
+        <p:nvPr/>
+      </p:nvGrpSpPr>
+      <p:grpSpPr>
+        <a:xfrm>
+          <a:off x="0" y="0"/>
+          <a:ext cx="0" cy="0"/>
+          <a:chOff x="0" y="0"/>
+          <a:chExt cx="0" cy="0"/>
+        </a:xfrm>
+      </p:grpSpPr>
+      <p:sp>
+        <p:nvSpPr>
+          <p:cNvPr id="2" name="Title 1"/>
+          <p:cNvSpPr>
+            <a:spLocks noGrp="1"/>
+          </p:cNvSpPr>
+          <p:nvPr>
+            <p:ph type="title"/>
+          </p:nvPr>
+        </p:nvSpPr>
+        <p:spPr/>
+        <p:txBody>
+          <a:bodyPr/>
+          <a:lstStyle/>
+          <a:p>
+            <a:r>
+              <a:rPr lang="en-US"/>
+              <a:t>Click to edit Master title style</a:t>
+            </a:r>
+            <a:endParaRPr lang="sv-SE"/>
+          </a:p>
+        </p:txBody>
+      </p:sp>
+      <p:sp>
+        <p:nvSpPr>
+          <p:cNvPr id="3" name="Rectangle 2"/>
+          <p:cNvSpPr/>
+          <p:nvPr/>
+        </p:nvSpPr>
+        <p:spPr bwMode="auto">
+          <a:xfrm>
+            <a:off x="7040947" y="5974854"/>
+            <a:ext cx="2088232" cy="864096"/>
+          </a:xfrm>
+          <a:prstGeom prst="rect">
+            <a:avLst/>
+          </a:prstGeom>
+          <a:solidFill>
+            <a:schemeClr val="accent3"/>
+          </a:solidFill>
+          <a:ln w="9525" cap="flat" cmpd="sng" algn="ctr">
+            <a:solidFill>
+              <a:schemeClr val="bg1"/>
+            </a:solidFill>
+            <a:prstDash val="solid"/>
+            <a:round/>
+            <a:headEnd type="none" w="med" len="med"/>
+            <a:tailEnd type="none" w="med" len="med"/>
+          </a:ln>
+          <a:effectLst/>
+        </p:spPr>
+        <p:txBody>
+          <a:bodyPr vert="horz" wrap="none" lIns="0" tIns="0" rIns="0" bIns="0" numCol="1" rtlCol="0" anchor="ctr" anchorCtr="0" compatLnSpc="1">
+            <a:prstTxWarp prst="textNoShape">
+              <a:avLst/>
+            </a:prstTxWarp>
+          </a:bodyPr>
+          <a:lstStyle/>
+          <a:p>
+            <a:pPr marL="0" marR="0" indent="0" algn="ctr" defTabSz="914400" rtl="0" eaLnBrk="1" fontAlgn="base" latinLnBrk="0" hangingPunct="1">
+              <a:lnSpc>
+                <a:spcPct val="100000"/>
+              </a:lnSpc>
+              <a:spcBef>
+                <a:spcPct val="0"/>
+              </a:spcBef>
+              <a:spcAft>
+                <a:spcPct val="0"/>
+              </a:spcAft>
+              <a:buClr>
+                <a:schemeClr val="bg2"/>
+              </a:buClr>
+              <a:buSzTx/>
+              <a:buFontTx/>
+              <a:buNone/>
+              <a:tabLst/>
+            </a:pPr>
+            <a:endParaRPr kumimoji="0" lang="sv-SE" sz="1600" b="0" i="0" u="none" strike="noStrike" cap="none" normalizeH="0" baseline="0">
+              <a:ln>
+                <a:noFill/>
+              </a:ln>
+              <a:solidFill>
+                <a:schemeClr val="tx1"/>
+              </a:solidFill>
+              <a:effectLst/>
+              <a:latin typeface="Arial" charset="0"/>
+            </a:endParaRPr>
+          </a:p>
+        </p:txBody>
+      </p:sp>
+    </p:spTree>
+    <p:extLst>
+      <p:ext uri="{BB962C8B-B14F-4D97-AF65-F5344CB8AC3E}">
+        <p14:creationId xmlns:p14="http://schemas.microsoft.com/office/powerpoint/2010/main" val="2871835176"/>
+      </p:ext>
+    </p:extLst>
+  </p:cSld>
+  <p:clrMapOvr>
+    <a:masterClrMapping/>
+  </p:clrMapOvr>
+</p:sldLayout>
+</file>
+
+<file path=ppt/slideLayouts/slideLayout19.xml><?xml version="1.0" encoding="utf-8"?>
+<p:sldLayout xmlns:a="http://schemas.openxmlformats.org/drawingml/2006/main" xmlns:r="http://schemas.openxmlformats.org/officeDocument/2006/relationships" xmlns:p="http://schemas.openxmlformats.org/presentationml/2006/main" type="blank" preserve="1">
+  <p:cSld name="Tom">
+    <p:spTree>
+      <p:nvGrpSpPr>
+        <p:cNvPr id="1" name=""/>
+        <p:cNvGrpSpPr/>
+        <p:nvPr/>
+      </p:nvGrpSpPr>
+      <p:grpSpPr>
+        <a:xfrm>
+          <a:off x="0" y="0"/>
+          <a:ext cx="0" cy="0"/>
+          <a:chOff x="0" y="0"/>
+          <a:chExt cx="0" cy="0"/>
+        </a:xfrm>
+      </p:grpSpPr>
+    </p:spTree>
+    <p:extLst>
+      <p:ext uri="{BB962C8B-B14F-4D97-AF65-F5344CB8AC3E}">
+        <p14:creationId xmlns:p14="http://schemas.microsoft.com/office/powerpoint/2010/main" val="3819980942"/>
       </p:ext>
     </p:extLst>
   </p:cSld>
@@ -2461,7 +3738,7 @@
           <a:p>
             <a:fld id="{EB5A137E-BC1C-407D-BFE8-80ECE3881BEF}" type="datetimeFigureOut">
               <a:rPr lang="en-US" smtClean="0"/>
-              <a:t>12/13/2016</a:t>
+              <a:t>12/16/2016</a:t>
             </a:fld>
             <a:endParaRPr lang="en-US"/>
           </a:p>
@@ -2513,6 +3790,1062 @@
     <p:extLst>
       <p:ext uri="{BB962C8B-B14F-4D97-AF65-F5344CB8AC3E}">
         <p14:creationId xmlns:p14="http://schemas.microsoft.com/office/powerpoint/2010/main" val="2353667264"/>
+      </p:ext>
+    </p:extLst>
+  </p:cSld>
+  <p:clrMapOvr>
+    <a:masterClrMapping/>
+  </p:clrMapOvr>
+</p:sldLayout>
+</file>
+
+<file path=ppt/slideLayouts/slideLayout20.xml><?xml version="1.0" encoding="utf-8"?>
+<p:sldLayout xmlns:a="http://schemas.openxmlformats.org/drawingml/2006/main" xmlns:r="http://schemas.openxmlformats.org/officeDocument/2006/relationships" xmlns:p="http://schemas.openxmlformats.org/presentationml/2006/main" showMasterSp="0" type="titleOnly" preserve="1">
+  <p:cSld name="Helt tom med rubrik">
+    <p:spTree>
+      <p:nvGrpSpPr>
+        <p:cNvPr id="1" name=""/>
+        <p:cNvGrpSpPr/>
+        <p:nvPr/>
+      </p:nvGrpSpPr>
+      <p:grpSpPr>
+        <a:xfrm>
+          <a:off x="0" y="0"/>
+          <a:ext cx="0" cy="0"/>
+          <a:chOff x="0" y="0"/>
+          <a:chExt cx="0" cy="0"/>
+        </a:xfrm>
+      </p:grpSpPr>
+      <p:sp>
+        <p:nvSpPr>
+          <p:cNvPr id="2" name="Title 1"/>
+          <p:cNvSpPr>
+            <a:spLocks noGrp="1"/>
+          </p:cNvSpPr>
+          <p:nvPr>
+            <p:ph type="title"/>
+          </p:nvPr>
+        </p:nvSpPr>
+        <p:spPr/>
+        <p:txBody>
+          <a:bodyPr/>
+          <a:lstStyle/>
+          <a:p>
+            <a:r>
+              <a:rPr lang="en-US"/>
+              <a:t>Click to edit Master title style</a:t>
+            </a:r>
+            <a:endParaRPr lang="sv-SE"/>
+          </a:p>
+        </p:txBody>
+      </p:sp>
+    </p:spTree>
+    <p:extLst>
+      <p:ext uri="{BB962C8B-B14F-4D97-AF65-F5344CB8AC3E}">
+        <p14:creationId xmlns:p14="http://schemas.microsoft.com/office/powerpoint/2010/main" val="69416202"/>
+      </p:ext>
+    </p:extLst>
+  </p:cSld>
+  <p:clrMapOvr>
+    <a:masterClrMapping/>
+  </p:clrMapOvr>
+</p:sldLayout>
+</file>
+
+<file path=ppt/slideLayouts/slideLayout21.xml><?xml version="1.0" encoding="utf-8"?>
+<p:sldLayout xmlns:a="http://schemas.openxmlformats.org/drawingml/2006/main" xmlns:r="http://schemas.openxmlformats.org/officeDocument/2006/relationships" xmlns:p="http://schemas.openxmlformats.org/presentationml/2006/main" showMasterSp="0" type="blank" preserve="1">
+  <p:cSld name="HeltTom">
+    <p:spTree>
+      <p:nvGrpSpPr>
+        <p:cNvPr id="1" name=""/>
+        <p:cNvGrpSpPr/>
+        <p:nvPr/>
+      </p:nvGrpSpPr>
+      <p:grpSpPr>
+        <a:xfrm>
+          <a:off x="0" y="0"/>
+          <a:ext cx="0" cy="0"/>
+          <a:chOff x="0" y="0"/>
+          <a:chExt cx="0" cy="0"/>
+        </a:xfrm>
+      </p:grpSpPr>
+    </p:spTree>
+    <p:extLst>
+      <p:ext uri="{BB962C8B-B14F-4D97-AF65-F5344CB8AC3E}">
+        <p14:creationId xmlns:p14="http://schemas.microsoft.com/office/powerpoint/2010/main" val="3880234699"/>
+      </p:ext>
+    </p:extLst>
+  </p:cSld>
+  <p:clrMapOvr>
+    <a:masterClrMapping/>
+  </p:clrMapOvr>
+</p:sldLayout>
+</file>
+
+<file path=ppt/slideLayouts/slideLayout22.xml><?xml version="1.0" encoding="utf-8"?>
+<p:sldLayout xmlns:a="http://schemas.openxmlformats.org/drawingml/2006/main" xmlns:r="http://schemas.openxmlformats.org/officeDocument/2006/relationships" xmlns:p="http://schemas.openxmlformats.org/presentationml/2006/main" type="objTx" preserve="1">
+  <p:cSld name="Innehåll med bildtext">
+    <p:spTree>
+      <p:nvGrpSpPr>
+        <p:cNvPr id="1" name=""/>
+        <p:cNvGrpSpPr/>
+        <p:nvPr/>
+      </p:nvGrpSpPr>
+      <p:grpSpPr>
+        <a:xfrm>
+          <a:off x="0" y="0"/>
+          <a:ext cx="0" cy="0"/>
+          <a:chOff x="0" y="0"/>
+          <a:chExt cx="0" cy="0"/>
+        </a:xfrm>
+      </p:grpSpPr>
+      <p:sp>
+        <p:nvSpPr>
+          <p:cNvPr id="2" name="Title 1"/>
+          <p:cNvSpPr>
+            <a:spLocks noGrp="1"/>
+          </p:cNvSpPr>
+          <p:nvPr>
+            <p:ph type="title"/>
+          </p:nvPr>
+        </p:nvSpPr>
+        <p:spPr>
+          <a:xfrm>
+            <a:off x="457200" y="273050"/>
+            <a:ext cx="3008313" cy="1162050"/>
+          </a:xfrm>
+        </p:spPr>
+        <p:txBody>
+          <a:bodyPr anchor="b"/>
+          <a:lstStyle>
+            <a:lvl1pPr algn="l">
+              <a:defRPr sz="2000" b="1"/>
+            </a:lvl1pPr>
+          </a:lstStyle>
+          <a:p>
+            <a:r>
+              <a:rPr lang="en-US"/>
+              <a:t>Click to edit Master title style</a:t>
+            </a:r>
+            <a:endParaRPr lang="sv-SE"/>
+          </a:p>
+        </p:txBody>
+      </p:sp>
+      <p:sp>
+        <p:nvSpPr>
+          <p:cNvPr id="3" name="Content Placeholder 2"/>
+          <p:cNvSpPr>
+            <a:spLocks noGrp="1"/>
+          </p:cNvSpPr>
+          <p:nvPr>
+            <p:ph idx="1"/>
+          </p:nvPr>
+        </p:nvSpPr>
+        <p:spPr>
+          <a:xfrm>
+            <a:off x="3575050" y="273050"/>
+            <a:ext cx="5111750" cy="5853113"/>
+          </a:xfrm>
+        </p:spPr>
+        <p:txBody>
+          <a:bodyPr/>
+          <a:lstStyle>
+            <a:lvl1pPr>
+              <a:defRPr sz="3200"/>
+            </a:lvl1pPr>
+            <a:lvl2pPr>
+              <a:defRPr sz="2800"/>
+            </a:lvl2pPr>
+            <a:lvl3pPr>
+              <a:defRPr sz="2400"/>
+            </a:lvl3pPr>
+            <a:lvl4pPr>
+              <a:defRPr sz="2000"/>
+            </a:lvl4pPr>
+            <a:lvl5pPr>
+              <a:defRPr sz="2000"/>
+            </a:lvl5pPr>
+            <a:lvl6pPr>
+              <a:defRPr sz="2000"/>
+            </a:lvl6pPr>
+            <a:lvl7pPr>
+              <a:defRPr sz="2000"/>
+            </a:lvl7pPr>
+            <a:lvl8pPr>
+              <a:defRPr sz="2000"/>
+            </a:lvl8pPr>
+            <a:lvl9pPr>
+              <a:defRPr sz="2000"/>
+            </a:lvl9pPr>
+          </a:lstStyle>
+          <a:p>
+            <a:pPr lvl="0"/>
+            <a:r>
+              <a:rPr lang="en-US"/>
+              <a:t>Edit Master text styles</a:t>
+            </a:r>
+          </a:p>
+          <a:p>
+            <a:pPr lvl="1"/>
+            <a:r>
+              <a:rPr lang="en-US"/>
+              <a:t>Second level</a:t>
+            </a:r>
+          </a:p>
+          <a:p>
+            <a:pPr lvl="2"/>
+            <a:r>
+              <a:rPr lang="en-US"/>
+              <a:t>Third level</a:t>
+            </a:r>
+          </a:p>
+          <a:p>
+            <a:pPr lvl="3"/>
+            <a:r>
+              <a:rPr lang="en-US"/>
+              <a:t>Fourth level</a:t>
+            </a:r>
+          </a:p>
+          <a:p>
+            <a:pPr lvl="4"/>
+            <a:r>
+              <a:rPr lang="en-US"/>
+              <a:t>Fifth level</a:t>
+            </a:r>
+            <a:endParaRPr lang="sv-SE"/>
+          </a:p>
+        </p:txBody>
+      </p:sp>
+      <p:sp>
+        <p:nvSpPr>
+          <p:cNvPr id="4" name="Text Placeholder 3"/>
+          <p:cNvSpPr>
+            <a:spLocks noGrp="1"/>
+          </p:cNvSpPr>
+          <p:nvPr>
+            <p:ph type="body" sz="half" idx="2"/>
+          </p:nvPr>
+        </p:nvSpPr>
+        <p:spPr>
+          <a:xfrm>
+            <a:off x="457200" y="1435100"/>
+            <a:ext cx="3008313" cy="4691063"/>
+          </a:xfrm>
+        </p:spPr>
+        <p:txBody>
+          <a:bodyPr/>
+          <a:lstStyle>
+            <a:lvl1pPr marL="0" indent="0">
+              <a:buNone/>
+              <a:defRPr sz="1400"/>
+            </a:lvl1pPr>
+            <a:lvl2pPr marL="457200" indent="0">
+              <a:buNone/>
+              <a:defRPr sz="1200"/>
+            </a:lvl2pPr>
+            <a:lvl3pPr marL="914400" indent="0">
+              <a:buNone/>
+              <a:defRPr sz="1000"/>
+            </a:lvl3pPr>
+            <a:lvl4pPr marL="1371600" indent="0">
+              <a:buNone/>
+              <a:defRPr sz="900"/>
+            </a:lvl4pPr>
+            <a:lvl5pPr marL="1828800" indent="0">
+              <a:buNone/>
+              <a:defRPr sz="900"/>
+            </a:lvl5pPr>
+            <a:lvl6pPr marL="2286000" indent="0">
+              <a:buNone/>
+              <a:defRPr sz="900"/>
+            </a:lvl6pPr>
+            <a:lvl7pPr marL="2743200" indent="0">
+              <a:buNone/>
+              <a:defRPr sz="900"/>
+            </a:lvl7pPr>
+            <a:lvl8pPr marL="3200400" indent="0">
+              <a:buNone/>
+              <a:defRPr sz="900"/>
+            </a:lvl8pPr>
+            <a:lvl9pPr marL="3657600" indent="0">
+              <a:buNone/>
+              <a:defRPr sz="900"/>
+            </a:lvl9pPr>
+          </a:lstStyle>
+          <a:p>
+            <a:pPr lvl="0"/>
+            <a:r>
+              <a:rPr lang="en-US"/>
+              <a:t>Edit Master text styles</a:t>
+            </a:r>
+          </a:p>
+        </p:txBody>
+      </p:sp>
+    </p:spTree>
+    <p:extLst>
+      <p:ext uri="{BB962C8B-B14F-4D97-AF65-F5344CB8AC3E}">
+        <p14:creationId xmlns:p14="http://schemas.microsoft.com/office/powerpoint/2010/main" val="1326930180"/>
+      </p:ext>
+    </p:extLst>
+  </p:cSld>
+  <p:clrMapOvr>
+    <a:masterClrMapping/>
+  </p:clrMapOvr>
+</p:sldLayout>
+</file>
+
+<file path=ppt/slideLayouts/slideLayout23.xml><?xml version="1.0" encoding="utf-8"?>
+<p:sldLayout xmlns:a="http://schemas.openxmlformats.org/drawingml/2006/main" xmlns:r="http://schemas.openxmlformats.org/officeDocument/2006/relationships" xmlns:p="http://schemas.openxmlformats.org/presentationml/2006/main" type="picTx" preserve="1">
+  <p:cSld name="Bild med bildtext">
+    <p:spTree>
+      <p:nvGrpSpPr>
+        <p:cNvPr id="1" name=""/>
+        <p:cNvGrpSpPr/>
+        <p:nvPr/>
+      </p:nvGrpSpPr>
+      <p:grpSpPr>
+        <a:xfrm>
+          <a:off x="0" y="0"/>
+          <a:ext cx="0" cy="0"/>
+          <a:chOff x="0" y="0"/>
+          <a:chExt cx="0" cy="0"/>
+        </a:xfrm>
+      </p:grpSpPr>
+      <p:sp>
+        <p:nvSpPr>
+          <p:cNvPr id="2" name="Title 1"/>
+          <p:cNvSpPr>
+            <a:spLocks noGrp="1"/>
+          </p:cNvSpPr>
+          <p:nvPr>
+            <p:ph type="title"/>
+          </p:nvPr>
+        </p:nvSpPr>
+        <p:spPr>
+          <a:xfrm>
+            <a:off x="1792288" y="4800600"/>
+            <a:ext cx="5486400" cy="566738"/>
+          </a:xfrm>
+        </p:spPr>
+        <p:txBody>
+          <a:bodyPr anchor="b"/>
+          <a:lstStyle>
+            <a:lvl1pPr algn="l">
+              <a:defRPr sz="2000" b="1"/>
+            </a:lvl1pPr>
+          </a:lstStyle>
+          <a:p>
+            <a:r>
+              <a:rPr lang="en-US"/>
+              <a:t>Click to edit Master title style</a:t>
+            </a:r>
+            <a:endParaRPr lang="sv-SE"/>
+          </a:p>
+        </p:txBody>
+      </p:sp>
+      <p:sp>
+        <p:nvSpPr>
+          <p:cNvPr id="3" name="Picture Placeholder 2"/>
+          <p:cNvSpPr>
+            <a:spLocks noGrp="1"/>
+          </p:cNvSpPr>
+          <p:nvPr>
+            <p:ph type="pic" idx="1"/>
+          </p:nvPr>
+        </p:nvSpPr>
+        <p:spPr>
+          <a:xfrm>
+            <a:off x="1792288" y="612775"/>
+            <a:ext cx="5486400" cy="4114800"/>
+          </a:xfrm>
+        </p:spPr>
+        <p:txBody>
+          <a:bodyPr/>
+          <a:lstStyle>
+            <a:lvl1pPr marL="0" indent="0">
+              <a:buNone/>
+              <a:defRPr sz="3200"/>
+            </a:lvl1pPr>
+            <a:lvl2pPr marL="457200" indent="0">
+              <a:buNone/>
+              <a:defRPr sz="2800"/>
+            </a:lvl2pPr>
+            <a:lvl3pPr marL="914400" indent="0">
+              <a:buNone/>
+              <a:defRPr sz="2400"/>
+            </a:lvl3pPr>
+            <a:lvl4pPr marL="1371600" indent="0">
+              <a:buNone/>
+              <a:defRPr sz="2000"/>
+            </a:lvl4pPr>
+            <a:lvl5pPr marL="1828800" indent="0">
+              <a:buNone/>
+              <a:defRPr sz="2000"/>
+            </a:lvl5pPr>
+            <a:lvl6pPr marL="2286000" indent="0">
+              <a:buNone/>
+              <a:defRPr sz="2000"/>
+            </a:lvl6pPr>
+            <a:lvl7pPr marL="2743200" indent="0">
+              <a:buNone/>
+              <a:defRPr sz="2000"/>
+            </a:lvl7pPr>
+            <a:lvl8pPr marL="3200400" indent="0">
+              <a:buNone/>
+              <a:defRPr sz="2000"/>
+            </a:lvl8pPr>
+            <a:lvl9pPr marL="3657600" indent="0">
+              <a:buNone/>
+              <a:defRPr sz="2000"/>
+            </a:lvl9pPr>
+          </a:lstStyle>
+          <a:p>
+            <a:pPr lvl="0"/>
+            <a:r>
+              <a:rPr lang="en-US" noProof="0"/>
+              <a:t>Click icon to add picture</a:t>
+            </a:r>
+            <a:endParaRPr lang="sv-SE" noProof="0"/>
+          </a:p>
+        </p:txBody>
+      </p:sp>
+      <p:sp>
+        <p:nvSpPr>
+          <p:cNvPr id="4" name="Text Placeholder 3"/>
+          <p:cNvSpPr>
+            <a:spLocks noGrp="1"/>
+          </p:cNvSpPr>
+          <p:nvPr>
+            <p:ph type="body" sz="half" idx="2"/>
+          </p:nvPr>
+        </p:nvSpPr>
+        <p:spPr>
+          <a:xfrm>
+            <a:off x="1792288" y="5367338"/>
+            <a:ext cx="5486400" cy="804862"/>
+          </a:xfrm>
+        </p:spPr>
+        <p:txBody>
+          <a:bodyPr/>
+          <a:lstStyle>
+            <a:lvl1pPr marL="0" indent="0">
+              <a:buNone/>
+              <a:defRPr sz="1400"/>
+            </a:lvl1pPr>
+            <a:lvl2pPr marL="457200" indent="0">
+              <a:buNone/>
+              <a:defRPr sz="1200"/>
+            </a:lvl2pPr>
+            <a:lvl3pPr marL="914400" indent="0">
+              <a:buNone/>
+              <a:defRPr sz="1000"/>
+            </a:lvl3pPr>
+            <a:lvl4pPr marL="1371600" indent="0">
+              <a:buNone/>
+              <a:defRPr sz="900"/>
+            </a:lvl4pPr>
+            <a:lvl5pPr marL="1828800" indent="0">
+              <a:buNone/>
+              <a:defRPr sz="900"/>
+            </a:lvl5pPr>
+            <a:lvl6pPr marL="2286000" indent="0">
+              <a:buNone/>
+              <a:defRPr sz="900"/>
+            </a:lvl6pPr>
+            <a:lvl7pPr marL="2743200" indent="0">
+              <a:buNone/>
+              <a:defRPr sz="900"/>
+            </a:lvl7pPr>
+            <a:lvl8pPr marL="3200400" indent="0">
+              <a:buNone/>
+              <a:defRPr sz="900"/>
+            </a:lvl8pPr>
+            <a:lvl9pPr marL="3657600" indent="0">
+              <a:buNone/>
+              <a:defRPr sz="900"/>
+            </a:lvl9pPr>
+          </a:lstStyle>
+          <a:p>
+            <a:pPr lvl="0"/>
+            <a:r>
+              <a:rPr lang="en-US"/>
+              <a:t>Edit Master text styles</a:t>
+            </a:r>
+          </a:p>
+        </p:txBody>
+      </p:sp>
+    </p:spTree>
+    <p:extLst>
+      <p:ext uri="{BB962C8B-B14F-4D97-AF65-F5344CB8AC3E}">
+        <p14:creationId xmlns:p14="http://schemas.microsoft.com/office/powerpoint/2010/main" val="3139586785"/>
+      </p:ext>
+    </p:extLst>
+  </p:cSld>
+  <p:clrMapOvr>
+    <a:masterClrMapping/>
+  </p:clrMapOvr>
+</p:sldLayout>
+</file>
+
+<file path=ppt/slideLayouts/slideLayout24.xml><?xml version="1.0" encoding="utf-8"?>
+<p:sldLayout xmlns:a="http://schemas.openxmlformats.org/drawingml/2006/main" xmlns:r="http://schemas.openxmlformats.org/officeDocument/2006/relationships" xmlns:p="http://schemas.openxmlformats.org/presentationml/2006/main" type="vertTx" preserve="1">
+  <p:cSld name="Rubrik och lodrät text">
+    <p:spTree>
+      <p:nvGrpSpPr>
+        <p:cNvPr id="1" name=""/>
+        <p:cNvGrpSpPr/>
+        <p:nvPr/>
+      </p:nvGrpSpPr>
+      <p:grpSpPr>
+        <a:xfrm>
+          <a:off x="0" y="0"/>
+          <a:ext cx="0" cy="0"/>
+          <a:chOff x="0" y="0"/>
+          <a:chExt cx="0" cy="0"/>
+        </a:xfrm>
+      </p:grpSpPr>
+      <p:sp>
+        <p:nvSpPr>
+          <p:cNvPr id="2" name="Title 1"/>
+          <p:cNvSpPr>
+            <a:spLocks noGrp="1"/>
+          </p:cNvSpPr>
+          <p:nvPr>
+            <p:ph type="title"/>
+          </p:nvPr>
+        </p:nvSpPr>
+        <p:spPr/>
+        <p:txBody>
+          <a:bodyPr/>
+          <a:lstStyle/>
+          <a:p>
+            <a:r>
+              <a:rPr lang="en-US"/>
+              <a:t>Click to edit Master title style</a:t>
+            </a:r>
+            <a:endParaRPr lang="sv-SE"/>
+          </a:p>
+        </p:txBody>
+      </p:sp>
+      <p:sp>
+        <p:nvSpPr>
+          <p:cNvPr id="3" name="Vertical Text Placeholder 2"/>
+          <p:cNvSpPr>
+            <a:spLocks noGrp="1"/>
+          </p:cNvSpPr>
+          <p:nvPr>
+            <p:ph type="body" orient="vert" idx="1"/>
+          </p:nvPr>
+        </p:nvSpPr>
+        <p:spPr/>
+        <p:txBody>
+          <a:bodyPr vert="eaVert"/>
+          <a:lstStyle/>
+          <a:p>
+            <a:pPr lvl="0"/>
+            <a:r>
+              <a:rPr lang="en-US"/>
+              <a:t>Edit Master text styles</a:t>
+            </a:r>
+          </a:p>
+          <a:p>
+            <a:pPr lvl="1"/>
+            <a:r>
+              <a:rPr lang="en-US"/>
+              <a:t>Second level</a:t>
+            </a:r>
+          </a:p>
+          <a:p>
+            <a:pPr lvl="2"/>
+            <a:r>
+              <a:rPr lang="en-US"/>
+              <a:t>Third level</a:t>
+            </a:r>
+          </a:p>
+          <a:p>
+            <a:pPr lvl="3"/>
+            <a:r>
+              <a:rPr lang="en-US"/>
+              <a:t>Fourth level</a:t>
+            </a:r>
+          </a:p>
+          <a:p>
+            <a:pPr lvl="4"/>
+            <a:r>
+              <a:rPr lang="en-US"/>
+              <a:t>Fifth level</a:t>
+            </a:r>
+            <a:endParaRPr lang="sv-SE"/>
+          </a:p>
+        </p:txBody>
+      </p:sp>
+    </p:spTree>
+    <p:extLst>
+      <p:ext uri="{BB962C8B-B14F-4D97-AF65-F5344CB8AC3E}">
+        <p14:creationId xmlns:p14="http://schemas.microsoft.com/office/powerpoint/2010/main" val="2004021886"/>
+      </p:ext>
+    </p:extLst>
+  </p:cSld>
+  <p:clrMapOvr>
+    <a:masterClrMapping/>
+  </p:clrMapOvr>
+</p:sldLayout>
+</file>
+
+<file path=ppt/slideLayouts/slideLayout25.xml><?xml version="1.0" encoding="utf-8"?>
+<p:sldLayout xmlns:a="http://schemas.openxmlformats.org/drawingml/2006/main" xmlns:r="http://schemas.openxmlformats.org/officeDocument/2006/relationships" xmlns:p="http://schemas.openxmlformats.org/presentationml/2006/main" type="vertTitleAndTx" preserve="1">
+  <p:cSld name="Lodrät rubrik och text">
+    <p:spTree>
+      <p:nvGrpSpPr>
+        <p:cNvPr id="1" name=""/>
+        <p:cNvGrpSpPr/>
+        <p:nvPr/>
+      </p:nvGrpSpPr>
+      <p:grpSpPr>
+        <a:xfrm>
+          <a:off x="0" y="0"/>
+          <a:ext cx="0" cy="0"/>
+          <a:chOff x="0" y="0"/>
+          <a:chExt cx="0" cy="0"/>
+        </a:xfrm>
+      </p:grpSpPr>
+      <p:sp>
+        <p:nvSpPr>
+          <p:cNvPr id="2" name="Vertical Title 1"/>
+          <p:cNvSpPr>
+            <a:spLocks noGrp="1"/>
+          </p:cNvSpPr>
+          <p:nvPr>
+            <p:ph type="title" orient="vert"/>
+          </p:nvPr>
+        </p:nvSpPr>
+        <p:spPr>
+          <a:xfrm>
+            <a:off x="6661150" y="765175"/>
+            <a:ext cx="2087563" cy="5327650"/>
+          </a:xfrm>
+        </p:spPr>
+        <p:txBody>
+          <a:bodyPr vert="eaVert"/>
+          <a:lstStyle/>
+          <a:p>
+            <a:r>
+              <a:rPr lang="en-US"/>
+              <a:t>Click to edit Master title style</a:t>
+            </a:r>
+            <a:endParaRPr lang="sv-SE"/>
+          </a:p>
+        </p:txBody>
+      </p:sp>
+      <p:sp>
+        <p:nvSpPr>
+          <p:cNvPr id="3" name="Vertical Text Placeholder 2"/>
+          <p:cNvSpPr>
+            <a:spLocks noGrp="1"/>
+          </p:cNvSpPr>
+          <p:nvPr>
+            <p:ph type="body" orient="vert" idx="1"/>
+          </p:nvPr>
+        </p:nvSpPr>
+        <p:spPr>
+          <a:xfrm>
+            <a:off x="395288" y="765175"/>
+            <a:ext cx="6113462" cy="5327650"/>
+          </a:xfrm>
+        </p:spPr>
+        <p:txBody>
+          <a:bodyPr vert="eaVert"/>
+          <a:lstStyle/>
+          <a:p>
+            <a:pPr lvl="0"/>
+            <a:r>
+              <a:rPr lang="en-US"/>
+              <a:t>Edit Master text styles</a:t>
+            </a:r>
+          </a:p>
+          <a:p>
+            <a:pPr lvl="1"/>
+            <a:r>
+              <a:rPr lang="en-US"/>
+              <a:t>Second level</a:t>
+            </a:r>
+          </a:p>
+          <a:p>
+            <a:pPr lvl="2"/>
+            <a:r>
+              <a:rPr lang="en-US"/>
+              <a:t>Third level</a:t>
+            </a:r>
+          </a:p>
+          <a:p>
+            <a:pPr lvl="3"/>
+            <a:r>
+              <a:rPr lang="en-US"/>
+              <a:t>Fourth level</a:t>
+            </a:r>
+          </a:p>
+          <a:p>
+            <a:pPr lvl="4"/>
+            <a:r>
+              <a:rPr lang="en-US"/>
+              <a:t>Fifth level</a:t>
+            </a:r>
+            <a:endParaRPr lang="sv-SE"/>
+          </a:p>
+        </p:txBody>
+      </p:sp>
+    </p:spTree>
+    <p:extLst>
+      <p:ext uri="{BB962C8B-B14F-4D97-AF65-F5344CB8AC3E}">
+        <p14:creationId xmlns:p14="http://schemas.microsoft.com/office/powerpoint/2010/main" val="3595864121"/>
+      </p:ext>
+    </p:extLst>
+  </p:cSld>
+  <p:clrMapOvr>
+    <a:masterClrMapping/>
+  </p:clrMapOvr>
+</p:sldLayout>
+</file>
+
+<file path=ppt/slideLayouts/slideLayout26.xml><?xml version="1.0" encoding="utf-8"?>
+<p:sldLayout xmlns:a="http://schemas.openxmlformats.org/drawingml/2006/main" xmlns:r="http://schemas.openxmlformats.org/officeDocument/2006/relationships" xmlns:p="http://schemas.openxmlformats.org/presentationml/2006/main" type="tbl">
+  <p:cSld name="Title and Table">
+    <p:spTree>
+      <p:nvGrpSpPr>
+        <p:cNvPr id="1" name=""/>
+        <p:cNvGrpSpPr/>
+        <p:nvPr/>
+      </p:nvGrpSpPr>
+      <p:grpSpPr>
+        <a:xfrm>
+          <a:off x="0" y="0"/>
+          <a:ext cx="0" cy="0"/>
+          <a:chOff x="0" y="0"/>
+          <a:chExt cx="0" cy="0"/>
+        </a:xfrm>
+      </p:grpSpPr>
+      <p:sp>
+        <p:nvSpPr>
+          <p:cNvPr id="2" name="Title 1"/>
+          <p:cNvSpPr>
+            <a:spLocks noGrp="1"/>
+          </p:cNvSpPr>
+          <p:nvPr>
+            <p:ph type="title"/>
+          </p:nvPr>
+        </p:nvSpPr>
+        <p:spPr>
+          <a:xfrm>
+            <a:off x="460375" y="167357"/>
+            <a:ext cx="7773988" cy="741363"/>
+          </a:xfrm>
+        </p:spPr>
+        <p:txBody>
+          <a:bodyPr/>
+          <a:lstStyle/>
+          <a:p>
+            <a:r>
+              <a:rPr lang="en-US"/>
+              <a:t>Click to edit Master title style</a:t>
+            </a:r>
+          </a:p>
+        </p:txBody>
+      </p:sp>
+      <p:sp>
+        <p:nvSpPr>
+          <p:cNvPr id="3" name="Table Placeholder 2"/>
+          <p:cNvSpPr>
+            <a:spLocks noGrp="1"/>
+          </p:cNvSpPr>
+          <p:nvPr>
+            <p:ph type="tbl" idx="1"/>
+          </p:nvPr>
+        </p:nvSpPr>
+        <p:spPr>
+          <a:xfrm>
+            <a:off x="458788" y="992188"/>
+            <a:ext cx="7751762" cy="4386262"/>
+          </a:xfrm>
+        </p:spPr>
+        <p:txBody>
+          <a:bodyPr/>
+          <a:lstStyle/>
+          <a:p>
+            <a:pPr lvl="0"/>
+            <a:r>
+              <a:rPr lang="en-US" noProof="0"/>
+              <a:t>Click icon to add table</a:t>
+            </a:r>
+          </a:p>
+        </p:txBody>
+      </p:sp>
+    </p:spTree>
+    <p:extLst>
+      <p:ext uri="{BB962C8B-B14F-4D97-AF65-F5344CB8AC3E}">
+        <p14:creationId xmlns:p14="http://schemas.microsoft.com/office/powerpoint/2010/main" val="1168122234"/>
+      </p:ext>
+    </p:extLst>
+  </p:cSld>
+  <p:clrMapOvr>
+    <a:masterClrMapping/>
+  </p:clrMapOvr>
+</p:sldLayout>
+</file>
+
+<file path=ppt/slideLayouts/slideLayout27.xml><?xml version="1.0" encoding="utf-8"?>
+<p:sldLayout xmlns:a="http://schemas.openxmlformats.org/drawingml/2006/main" xmlns:r="http://schemas.openxmlformats.org/officeDocument/2006/relationships" xmlns:p="http://schemas.openxmlformats.org/presentationml/2006/main">
+  <p:cSld name="1_Title and Content">
+    <p:spTree>
+      <p:nvGrpSpPr>
+        <p:cNvPr id="1" name=""/>
+        <p:cNvGrpSpPr/>
+        <p:nvPr/>
+      </p:nvGrpSpPr>
+      <p:grpSpPr>
+        <a:xfrm>
+          <a:off x="0" y="0"/>
+          <a:ext cx="0" cy="0"/>
+          <a:chOff x="0" y="0"/>
+          <a:chExt cx="0" cy="0"/>
+        </a:xfrm>
+      </p:grpSpPr>
+      <p:sp>
+        <p:nvSpPr>
+          <p:cNvPr id="2" name="Title 1"/>
+          <p:cNvSpPr>
+            <a:spLocks noGrp="1"/>
+          </p:cNvSpPr>
+          <p:nvPr>
+            <p:ph type="title"/>
+          </p:nvPr>
+        </p:nvSpPr>
+        <p:spPr/>
+        <p:txBody>
+          <a:bodyPr/>
+          <a:lstStyle>
+            <a:lvl1pPr>
+              <a:defRPr>
+                <a:latin typeface="+mj-lt"/>
+              </a:defRPr>
+            </a:lvl1pPr>
+          </a:lstStyle>
+          <a:p>
+            <a:r>
+              <a:rPr lang="en-US"/>
+              <a:t>Click to edit Master title style</a:t>
+            </a:r>
+            <a:endParaRPr lang="en-US" dirty="0"/>
+          </a:p>
+        </p:txBody>
+      </p:sp>
+      <p:sp>
+        <p:nvSpPr>
+          <p:cNvPr id="6" name="Text Placeholder 5"/>
+          <p:cNvSpPr>
+            <a:spLocks noGrp="1"/>
+          </p:cNvSpPr>
+          <p:nvPr>
+            <p:ph type="body" sz="quarter" idx="10"/>
+          </p:nvPr>
+        </p:nvSpPr>
+        <p:spPr>
+          <a:xfrm>
+            <a:off x="381000" y="1411552"/>
+            <a:ext cx="8382000" cy="2210862"/>
+          </a:xfrm>
+        </p:spPr>
+        <p:txBody>
+          <a:bodyPr/>
+          <a:lstStyle>
+            <a:lvl1pPr>
+              <a:lnSpc>
+                <a:spcPct val="90000"/>
+              </a:lnSpc>
+              <a:defRPr>
+                <a:latin typeface="+mn-lt"/>
+              </a:defRPr>
+            </a:lvl1pPr>
+            <a:lvl2pPr>
+              <a:lnSpc>
+                <a:spcPct val="90000"/>
+              </a:lnSpc>
+              <a:defRPr>
+                <a:latin typeface="+mn-lt"/>
+              </a:defRPr>
+            </a:lvl2pPr>
+            <a:lvl3pPr>
+              <a:lnSpc>
+                <a:spcPct val="90000"/>
+              </a:lnSpc>
+              <a:defRPr>
+                <a:latin typeface="+mn-lt"/>
+              </a:defRPr>
+            </a:lvl3pPr>
+            <a:lvl4pPr>
+              <a:lnSpc>
+                <a:spcPct val="90000"/>
+              </a:lnSpc>
+              <a:defRPr>
+                <a:latin typeface="+mn-lt"/>
+              </a:defRPr>
+            </a:lvl4pPr>
+            <a:lvl5pPr>
+              <a:lnSpc>
+                <a:spcPct val="90000"/>
+              </a:lnSpc>
+              <a:defRPr>
+                <a:latin typeface="+mn-lt"/>
+              </a:defRPr>
+            </a:lvl5pPr>
+          </a:lstStyle>
+          <a:p>
+            <a:pPr lvl="0"/>
+            <a:r>
+              <a:rPr lang="en-US"/>
+              <a:t>Edit Master text styles</a:t>
+            </a:r>
+          </a:p>
+          <a:p>
+            <a:pPr lvl="1"/>
+            <a:r>
+              <a:rPr lang="en-US"/>
+              <a:t>Second level</a:t>
+            </a:r>
+          </a:p>
+          <a:p>
+            <a:pPr lvl="2"/>
+            <a:r>
+              <a:rPr lang="en-US"/>
+              <a:t>Third level</a:t>
+            </a:r>
+          </a:p>
+          <a:p>
+            <a:pPr lvl="3"/>
+            <a:r>
+              <a:rPr lang="en-US"/>
+              <a:t>Fourth level</a:t>
+            </a:r>
+          </a:p>
+          <a:p>
+            <a:pPr lvl="4"/>
+            <a:r>
+              <a:rPr lang="en-US"/>
+              <a:t>Fifth level</a:t>
+            </a:r>
+            <a:endParaRPr lang="en-US" dirty="0"/>
+          </a:p>
+        </p:txBody>
+      </p:sp>
+    </p:spTree>
+    <p:extLst>
+      <p:ext uri="{BB962C8B-B14F-4D97-AF65-F5344CB8AC3E}">
+        <p14:creationId xmlns:p14="http://schemas.microsoft.com/office/powerpoint/2010/main" val="164486056"/>
+      </p:ext>
+    </p:extLst>
+  </p:cSld>
+  <p:clrMapOvr>
+    <a:masterClrMapping/>
+  </p:clrMapOvr>
+  <p:transition>
+    <p:fade/>
+  </p:transition>
+</p:sldLayout>
+</file>
+
+<file path=ppt/slideLayouts/slideLayout28.xml><?xml version="1.0" encoding="utf-8"?>
+<p:sldLayout xmlns:a="http://schemas.openxmlformats.org/drawingml/2006/main" xmlns:r="http://schemas.openxmlformats.org/officeDocument/2006/relationships" xmlns:p="http://schemas.openxmlformats.org/presentationml/2006/main" type="tx">
+  <p:cSld name="Title and Text">
+    <p:spTree>
+      <p:nvGrpSpPr>
+        <p:cNvPr id="1" name=""/>
+        <p:cNvGrpSpPr/>
+        <p:nvPr/>
+      </p:nvGrpSpPr>
+      <p:grpSpPr>
+        <a:xfrm>
+          <a:off x="0" y="0"/>
+          <a:ext cx="0" cy="0"/>
+          <a:chOff x="0" y="0"/>
+          <a:chExt cx="0" cy="0"/>
+        </a:xfrm>
+      </p:grpSpPr>
+      <p:sp>
+        <p:nvSpPr>
+          <p:cNvPr id="2" name="Shape 1"/>
+          <p:cNvSpPr>
+            <a:spLocks noGrp="1"/>
+          </p:cNvSpPr>
+          <p:nvPr>
+            <p:ph type="title"/>
+          </p:nvPr>
+        </p:nvSpPr>
+        <p:spPr/>
+        <p:txBody>
+          <a:bodyPr rtlCol="0"/>
+          <a:lstStyle/>
+          <a:p>
+            <a:r>
+              <a:rPr lang="en-US"/>
+              <a:t>Click to edit Master title style</a:t>
+            </a:r>
+          </a:p>
+        </p:txBody>
+      </p:sp>
+      <p:sp>
+        <p:nvSpPr>
+          <p:cNvPr id="3" name="Shape 2"/>
+          <p:cNvSpPr>
+            <a:spLocks noGrp="1"/>
+          </p:cNvSpPr>
+          <p:nvPr>
+            <p:ph type="body" idx="1"/>
+          </p:nvPr>
+        </p:nvSpPr>
+        <p:spPr/>
+        <p:txBody>
+          <a:bodyPr rtlCol="0"/>
+          <a:lstStyle/>
+          <a:p>
+            <a:pPr lvl="0"/>
+            <a:r>
+              <a:rPr lang="en-US"/>
+              <a:t>Edit Master text styles</a:t>
+            </a:r>
+          </a:p>
+          <a:p>
+            <a:pPr lvl="1"/>
+            <a:r>
+              <a:rPr lang="en-US"/>
+              <a:t>Second level</a:t>
+            </a:r>
+          </a:p>
+          <a:p>
+            <a:pPr lvl="2"/>
+            <a:r>
+              <a:rPr lang="en-US"/>
+              <a:t>Third level</a:t>
+            </a:r>
+          </a:p>
+          <a:p>
+            <a:pPr lvl="3"/>
+            <a:r>
+              <a:rPr lang="en-US"/>
+              <a:t>Fourth level</a:t>
+            </a:r>
+          </a:p>
+          <a:p>
+            <a:pPr lvl="4"/>
+            <a:r>
+              <a:rPr lang="en-US"/>
+              <a:t>Fifth level</a:t>
+            </a:r>
+          </a:p>
+        </p:txBody>
+      </p:sp>
+    </p:spTree>
+    <p:extLst>
+      <p:ext uri="{BB962C8B-B14F-4D97-AF65-F5344CB8AC3E}">
+        <p14:creationId xmlns:p14="http://schemas.microsoft.com/office/powerpoint/2010/main" val="4134753078"/>
       </p:ext>
     </p:extLst>
   </p:cSld>
@@ -2706,7 +5039,7 @@
           <a:p>
             <a:fld id="{EB5A137E-BC1C-407D-BFE8-80ECE3881BEF}" type="datetimeFigureOut">
               <a:rPr lang="en-US" smtClean="0"/>
-              <a:t>12/13/2016</a:t>
+              <a:t>12/16/2016</a:t>
             </a:fld>
             <a:endParaRPr lang="en-US"/>
           </a:p>
@@ -2935,7 +5268,7 @@
           <a:p>
             <a:fld id="{EB5A137E-BC1C-407D-BFE8-80ECE3881BEF}" type="datetimeFigureOut">
               <a:rPr lang="en-US" smtClean="0"/>
-              <a:t>12/13/2016</a:t>
+              <a:t>12/16/2016</a:t>
             </a:fld>
             <a:endParaRPr lang="en-US"/>
           </a:p>
@@ -3299,7 +5632,7 @@
           <a:p>
             <a:fld id="{EB5A137E-BC1C-407D-BFE8-80ECE3881BEF}" type="datetimeFigureOut">
               <a:rPr lang="en-US" smtClean="0"/>
-              <a:t>12/13/2016</a:t>
+              <a:t>12/16/2016</a:t>
             </a:fld>
             <a:endParaRPr lang="en-US"/>
           </a:p>
@@ -3416,7 +5749,7 @@
           <a:p>
             <a:fld id="{EB5A137E-BC1C-407D-BFE8-80ECE3881BEF}" type="datetimeFigureOut">
               <a:rPr lang="en-US" smtClean="0"/>
-              <a:t>12/13/2016</a:t>
+              <a:t>12/16/2016</a:t>
             </a:fld>
             <a:endParaRPr lang="en-US"/>
           </a:p>
@@ -3511,7 +5844,7 @@
           <a:p>
             <a:fld id="{EB5A137E-BC1C-407D-BFE8-80ECE3881BEF}" type="datetimeFigureOut">
               <a:rPr lang="en-US" smtClean="0"/>
-              <a:t>12/13/2016</a:t>
+              <a:t>12/16/2016</a:t>
             </a:fld>
             <a:endParaRPr lang="en-US"/>
           </a:p>
@@ -3786,7 +6119,7 @@
           <a:p>
             <a:fld id="{EB5A137E-BC1C-407D-BFE8-80ECE3881BEF}" type="datetimeFigureOut">
               <a:rPr lang="en-US" smtClean="0"/>
-              <a:t>12/13/2016</a:t>
+              <a:t>12/16/2016</a:t>
             </a:fld>
             <a:endParaRPr lang="en-US"/>
           </a:p>
@@ -4038,7 +6371,7 @@
           <a:p>
             <a:fld id="{EB5A137E-BC1C-407D-BFE8-80ECE3881BEF}" type="datetimeFigureOut">
               <a:rPr lang="en-US" smtClean="0"/>
-              <a:t>12/13/2016</a:t>
+              <a:t>12/16/2016</a:t>
             </a:fld>
             <a:endParaRPr lang="en-US"/>
           </a:p>
@@ -4249,7 +6582,7 @@
           <a:p>
             <a:fld id="{EB5A137E-BC1C-407D-BFE8-80ECE3881BEF}" type="datetimeFigureOut">
               <a:rPr lang="en-US" smtClean="0"/>
-              <a:t>12/13/2016</a:t>
+              <a:t>12/16/2016</a:t>
             </a:fld>
             <a:endParaRPr lang="en-US"/>
           </a:p>
@@ -4637,6 +6970,615 @@
 </p:sldMaster>
 </file>
 
+<file path=ppt/slideMasters/slideMaster2.xml><?xml version="1.0" encoding="utf-8"?>
+<p:sldMaster xmlns:a="http://schemas.openxmlformats.org/drawingml/2006/main" xmlns:r="http://schemas.openxmlformats.org/officeDocument/2006/relationships" xmlns:p="http://schemas.openxmlformats.org/presentationml/2006/main" preserve="1">
+  <p:cSld>
+    <p:bg>
+      <p:bgPr>
+        <a:solidFill>
+          <a:schemeClr val="bg1"/>
+        </a:solidFill>
+        <a:effectLst/>
+      </p:bgPr>
+    </p:bg>
+    <p:spTree>
+      <p:nvGrpSpPr>
+        <p:cNvPr id="1" name=""/>
+        <p:cNvGrpSpPr/>
+        <p:nvPr/>
+      </p:nvGrpSpPr>
+      <p:grpSpPr>
+        <a:xfrm>
+          <a:off x="0" y="0"/>
+          <a:ext cx="0" cy="0"/>
+          <a:chOff x="0" y="0"/>
+          <a:chExt cx="0" cy="0"/>
+        </a:xfrm>
+      </p:grpSpPr>
+      <p:sp>
+        <p:nvSpPr>
+          <p:cNvPr id="1028" name="Rectangle 4"/>
+          <p:cNvSpPr>
+            <a:spLocks noGrp="1" noChangeArrowheads="1"/>
+          </p:cNvSpPr>
+          <p:nvPr>
+            <p:ph type="body" idx="1"/>
+          </p:nvPr>
+        </p:nvSpPr>
+        <p:spPr bwMode="gray">
+          <a:xfrm>
+            <a:off x="395288" y="1484313"/>
+            <a:ext cx="8353425" cy="4608512"/>
+          </a:xfrm>
+          <a:prstGeom prst="rect">
+            <a:avLst/>
+          </a:prstGeom>
+          <a:extLst>
+            <a:ext uri="{909E8E84-426E-40DD-AFC4-6F175D3DCCD1}">
+              <a14:hiddenFill xmlns:a14="http://schemas.microsoft.com/office/drawing/2010/main">
+                <a:solidFill>
+                  <a:srgbClr val="FFFFFF"/>
+                </a:solidFill>
+              </a14:hiddenFill>
+            </a:ext>
+            <a:ext uri="{91240B29-F687-4F45-9708-019B960494DF}">
+              <a14:hiddenLine xmlns:a14="http://schemas.microsoft.com/office/drawing/2010/main" w="9525">
+                <a:solidFill>
+                  <a:srgbClr val="000000"/>
+                </a:solidFill>
+                <a:miter lim="800000"/>
+                <a:headEnd/>
+                <a:tailEnd/>
+              </a14:hiddenLine>
+            </a:ext>
+            <a:ext uri="{53640926-AAD7-44D8-BBD7-CCE9431645EC}">
+              <a14:shadowObscured xmlns:a14="http://schemas.microsoft.com/office/drawing/2010/main" val="1"/>
+            </a:ext>
+          </a:extLst>
+        </p:spPr>
+        <p:txBody>
+          <a:bodyPr vert="horz" wrap="square" lIns="0" tIns="0" rIns="0" bIns="0" numCol="1" anchor="t" anchorCtr="0" compatLnSpc="1">
+            <a:prstTxWarp prst="textNoShape">
+              <a:avLst/>
+            </a:prstTxWarp>
+          </a:bodyPr>
+          <a:lstStyle/>
+          <a:p>
+            <a:pPr lvl="0"/>
+            <a:r>
+              <a:rPr lang="sv-SE" dirty="0"/>
+              <a:t>Klicka här för att ändra format på bakgrundstexten</a:t>
+            </a:r>
+          </a:p>
+          <a:p>
+            <a:pPr lvl="1"/>
+            <a:r>
+              <a:rPr lang="sv-SE" dirty="0"/>
+              <a:t>Nivå två</a:t>
+            </a:r>
+          </a:p>
+          <a:p>
+            <a:pPr lvl="2"/>
+            <a:r>
+              <a:rPr lang="sv-SE" dirty="0"/>
+              <a:t>Nivå tre</a:t>
+            </a:r>
+          </a:p>
+          <a:p>
+            <a:pPr lvl="3"/>
+            <a:r>
+              <a:rPr lang="sv-SE" dirty="0"/>
+              <a:t>Nivå fyra</a:t>
+            </a:r>
+          </a:p>
+          <a:p>
+            <a:pPr lvl="4"/>
+            <a:r>
+              <a:rPr lang="sv-SE" dirty="0"/>
+              <a:t>Nivå fem</a:t>
+            </a:r>
+            <a:endParaRPr lang="en-GB" dirty="0"/>
+          </a:p>
+        </p:txBody>
+      </p:sp>
+      <p:sp>
+        <p:nvSpPr>
+          <p:cNvPr id="1029" name="Rectangle 5"/>
+          <p:cNvSpPr>
+            <a:spLocks noGrp="1" noChangeArrowheads="1"/>
+          </p:cNvSpPr>
+          <p:nvPr>
+            <p:ph type="title"/>
+          </p:nvPr>
+        </p:nvSpPr>
+        <p:spPr bwMode="gray">
+          <a:xfrm>
+            <a:off x="395288" y="765175"/>
+            <a:ext cx="8353425" cy="360363"/>
+          </a:xfrm>
+          <a:prstGeom prst="rect">
+            <a:avLst/>
+          </a:prstGeom>
+          <a:extLst>
+            <a:ext uri="{909E8E84-426E-40DD-AFC4-6F175D3DCCD1}">
+              <a14:hiddenFill xmlns:a14="http://schemas.microsoft.com/office/drawing/2010/main">
+                <a:solidFill>
+                  <a:srgbClr val="FFFFFF"/>
+                </a:solidFill>
+              </a14:hiddenFill>
+            </a:ext>
+            <a:ext uri="{91240B29-F687-4F45-9708-019B960494DF}">
+              <a14:hiddenLine xmlns:a14="http://schemas.microsoft.com/office/drawing/2010/main" w="9525">
+                <a:solidFill>
+                  <a:srgbClr val="000000"/>
+                </a:solidFill>
+                <a:miter lim="800000"/>
+                <a:headEnd/>
+                <a:tailEnd/>
+              </a14:hiddenLine>
+            </a:ext>
+            <a:ext uri="{53640926-AAD7-44D8-BBD7-CCE9431645EC}">
+              <a14:shadowObscured xmlns:a14="http://schemas.microsoft.com/office/drawing/2010/main" val="1"/>
+            </a:ext>
+          </a:extLst>
+        </p:spPr>
+        <p:txBody>
+          <a:bodyPr vert="horz" wrap="square" lIns="0" tIns="0" rIns="0" bIns="0" numCol="1" anchor="ctr" anchorCtr="0" compatLnSpc="1">
+            <a:prstTxWarp prst="textNoShape">
+              <a:avLst/>
+            </a:prstTxWarp>
+          </a:bodyPr>
+          <a:lstStyle/>
+          <a:p>
+            <a:pPr lvl="0"/>
+            <a:r>
+              <a:rPr lang="en-GB" dirty="0"/>
+              <a:t>Click to add title</a:t>
+            </a:r>
+          </a:p>
+        </p:txBody>
+      </p:sp>
+    </p:spTree>
+    <p:extLst>
+      <p:ext uri="{BB962C8B-B14F-4D97-AF65-F5344CB8AC3E}">
+        <p14:creationId xmlns:p14="http://schemas.microsoft.com/office/powerpoint/2010/main" val="1692010263"/>
+      </p:ext>
+    </p:extLst>
+  </p:cSld>
+  <p:clrMap bg1="lt1" tx1="dk1" bg2="lt2" tx2="dk2" accent1="accent1" accent2="accent2" accent3="accent3" accent4="accent4" accent5="accent5" accent6="accent6" hlink="hlink" folHlink="folHlink"/>
+  <p:sldLayoutIdLst>
+    <p:sldLayoutId id="2147484015" r:id="rId1"/>
+    <p:sldLayoutId id="2147484016" r:id="rId2"/>
+    <p:sldLayoutId id="2147484017" r:id="rId3"/>
+    <p:sldLayoutId id="2147484018" r:id="rId4"/>
+    <p:sldLayoutId id="2147484019" r:id="rId5"/>
+    <p:sldLayoutId id="2147484020" r:id="rId6"/>
+    <p:sldLayoutId id="2147484021" r:id="rId7"/>
+    <p:sldLayoutId id="2147484022" r:id="rId8"/>
+    <p:sldLayoutId id="2147484023" r:id="rId9"/>
+    <p:sldLayoutId id="2147484024" r:id="rId10"/>
+    <p:sldLayoutId id="2147484025" r:id="rId11"/>
+    <p:sldLayoutId id="2147484026" r:id="rId12"/>
+    <p:sldLayoutId id="2147484027" r:id="rId13"/>
+    <p:sldLayoutId id="2147484028" r:id="rId14"/>
+    <p:sldLayoutId id="2147484029" r:id="rId15"/>
+    <p:sldLayoutId id="2147484030" r:id="rId16"/>
+    <p:sldLayoutId id="2147484031" r:id="rId17"/>
+  </p:sldLayoutIdLst>
+  <p:txStyles>
+    <p:titleStyle>
+      <a:lvl1pPr algn="l" rtl="0" eaLnBrk="1" fontAlgn="base" hangingPunct="1">
+        <a:spcBef>
+          <a:spcPct val="0"/>
+        </a:spcBef>
+        <a:spcAft>
+          <a:spcPct val="0"/>
+        </a:spcAft>
+        <a:defRPr sz="2000" b="1">
+          <a:solidFill>
+            <a:schemeClr val="tx1"/>
+          </a:solidFill>
+          <a:latin typeface="+mj-lt"/>
+          <a:ea typeface="+mj-ea"/>
+          <a:cs typeface="+mj-cs"/>
+        </a:defRPr>
+      </a:lvl1pPr>
+      <a:lvl2pPr algn="l" rtl="0" eaLnBrk="1" fontAlgn="base" hangingPunct="1">
+        <a:spcBef>
+          <a:spcPct val="0"/>
+        </a:spcBef>
+        <a:spcAft>
+          <a:spcPct val="0"/>
+        </a:spcAft>
+        <a:defRPr sz="2000" b="1">
+          <a:solidFill>
+            <a:schemeClr val="bg1"/>
+          </a:solidFill>
+          <a:latin typeface="Arial" charset="0"/>
+        </a:defRPr>
+      </a:lvl2pPr>
+      <a:lvl3pPr algn="l" rtl="0" eaLnBrk="1" fontAlgn="base" hangingPunct="1">
+        <a:spcBef>
+          <a:spcPct val="0"/>
+        </a:spcBef>
+        <a:spcAft>
+          <a:spcPct val="0"/>
+        </a:spcAft>
+        <a:defRPr sz="2000" b="1">
+          <a:solidFill>
+            <a:schemeClr val="bg1"/>
+          </a:solidFill>
+          <a:latin typeface="Arial" charset="0"/>
+        </a:defRPr>
+      </a:lvl3pPr>
+      <a:lvl4pPr algn="l" rtl="0" eaLnBrk="1" fontAlgn="base" hangingPunct="1">
+        <a:spcBef>
+          <a:spcPct val="0"/>
+        </a:spcBef>
+        <a:spcAft>
+          <a:spcPct val="0"/>
+        </a:spcAft>
+        <a:defRPr sz="2000" b="1">
+          <a:solidFill>
+            <a:schemeClr val="bg1"/>
+          </a:solidFill>
+          <a:latin typeface="Arial" charset="0"/>
+        </a:defRPr>
+      </a:lvl4pPr>
+      <a:lvl5pPr algn="l" rtl="0" eaLnBrk="1" fontAlgn="base" hangingPunct="1">
+        <a:spcBef>
+          <a:spcPct val="0"/>
+        </a:spcBef>
+        <a:spcAft>
+          <a:spcPct val="0"/>
+        </a:spcAft>
+        <a:defRPr sz="2000" b="1">
+          <a:solidFill>
+            <a:schemeClr val="bg1"/>
+          </a:solidFill>
+          <a:latin typeface="Arial" charset="0"/>
+        </a:defRPr>
+      </a:lvl5pPr>
+      <a:lvl6pPr marL="457200" algn="l" rtl="0" eaLnBrk="1" fontAlgn="base" hangingPunct="1">
+        <a:spcBef>
+          <a:spcPct val="0"/>
+        </a:spcBef>
+        <a:spcAft>
+          <a:spcPct val="0"/>
+        </a:spcAft>
+        <a:defRPr sz="2000" b="1">
+          <a:solidFill>
+            <a:schemeClr val="bg1"/>
+          </a:solidFill>
+          <a:latin typeface="Arial" charset="0"/>
+        </a:defRPr>
+      </a:lvl6pPr>
+      <a:lvl7pPr marL="914400" algn="l" rtl="0" eaLnBrk="1" fontAlgn="base" hangingPunct="1">
+        <a:spcBef>
+          <a:spcPct val="0"/>
+        </a:spcBef>
+        <a:spcAft>
+          <a:spcPct val="0"/>
+        </a:spcAft>
+        <a:defRPr sz="2000" b="1">
+          <a:solidFill>
+            <a:schemeClr val="bg1"/>
+          </a:solidFill>
+          <a:latin typeface="Arial" charset="0"/>
+        </a:defRPr>
+      </a:lvl7pPr>
+      <a:lvl8pPr marL="1371600" algn="l" rtl="0" eaLnBrk="1" fontAlgn="base" hangingPunct="1">
+        <a:spcBef>
+          <a:spcPct val="0"/>
+        </a:spcBef>
+        <a:spcAft>
+          <a:spcPct val="0"/>
+        </a:spcAft>
+        <a:defRPr sz="2000" b="1">
+          <a:solidFill>
+            <a:schemeClr val="bg1"/>
+          </a:solidFill>
+          <a:latin typeface="Arial" charset="0"/>
+        </a:defRPr>
+      </a:lvl8pPr>
+      <a:lvl9pPr marL="1828800" algn="l" rtl="0" eaLnBrk="1" fontAlgn="base" hangingPunct="1">
+        <a:spcBef>
+          <a:spcPct val="0"/>
+        </a:spcBef>
+        <a:spcAft>
+          <a:spcPct val="0"/>
+        </a:spcAft>
+        <a:defRPr sz="2000" b="1">
+          <a:solidFill>
+            <a:schemeClr val="bg1"/>
+          </a:solidFill>
+          <a:latin typeface="Arial" charset="0"/>
+        </a:defRPr>
+      </a:lvl9pPr>
+    </p:titleStyle>
+    <p:bodyStyle>
+      <a:lvl1pPr marL="177800" indent="-177800" algn="l" rtl="0" eaLnBrk="1" fontAlgn="base" hangingPunct="1">
+        <a:spcBef>
+          <a:spcPct val="40000"/>
+        </a:spcBef>
+        <a:spcAft>
+          <a:spcPct val="0"/>
+        </a:spcAft>
+        <a:buClr>
+          <a:schemeClr val="accent1"/>
+        </a:buClr>
+        <a:buFont typeface="Wingdings" pitchFamily="2" charset="2"/>
+        <a:buChar char="§"/>
+        <a:defRPr lang="sv-SE" dirty="0" smtClean="0">
+          <a:solidFill>
+            <a:schemeClr val="tx1"/>
+          </a:solidFill>
+          <a:latin typeface="+mn-lt"/>
+          <a:ea typeface="+mn-ea"/>
+          <a:cs typeface="+mn-cs"/>
+        </a:defRPr>
+      </a:lvl1pPr>
+      <a:lvl2pPr marL="541338" indent="-184150" algn="l" rtl="0" eaLnBrk="1" fontAlgn="base" hangingPunct="1">
+        <a:spcBef>
+          <a:spcPct val="40000"/>
+        </a:spcBef>
+        <a:spcAft>
+          <a:spcPct val="0"/>
+        </a:spcAft>
+        <a:buClr>
+          <a:schemeClr val="accent1"/>
+        </a:buClr>
+        <a:buFont typeface="Wingdings" pitchFamily="2" charset="2"/>
+        <a:buChar char="§"/>
+        <a:defRPr lang="sv-SE" sz="1600" dirty="0" smtClean="0">
+          <a:solidFill>
+            <a:schemeClr val="tx1"/>
+          </a:solidFill>
+          <a:latin typeface="+mn-lt"/>
+          <a:ea typeface="+mn-ea"/>
+          <a:cs typeface="+mn-cs"/>
+        </a:defRPr>
+      </a:lvl2pPr>
+      <a:lvl3pPr marL="896938" indent="-176213" algn="l" rtl="0" eaLnBrk="1" fontAlgn="base" hangingPunct="1">
+        <a:spcBef>
+          <a:spcPct val="40000"/>
+        </a:spcBef>
+        <a:spcAft>
+          <a:spcPct val="0"/>
+        </a:spcAft>
+        <a:buClr>
+          <a:schemeClr val="accent1"/>
+        </a:buClr>
+        <a:buFont typeface="Wingdings" pitchFamily="2" charset="2"/>
+        <a:buChar char="§"/>
+        <a:defRPr lang="sv-SE" sz="1600" dirty="0" smtClean="0">
+          <a:solidFill>
+            <a:schemeClr val="tx1"/>
+          </a:solidFill>
+          <a:latin typeface="+mn-lt"/>
+          <a:ea typeface="+mn-ea"/>
+          <a:cs typeface="+mn-cs"/>
+        </a:defRPr>
+      </a:lvl3pPr>
+      <a:lvl4pPr marL="1252538" indent="-176213" algn="l" rtl="0" eaLnBrk="1" fontAlgn="base" hangingPunct="1">
+        <a:spcBef>
+          <a:spcPct val="40000"/>
+        </a:spcBef>
+        <a:spcAft>
+          <a:spcPct val="0"/>
+        </a:spcAft>
+        <a:buClr>
+          <a:schemeClr val="accent1"/>
+        </a:buClr>
+        <a:buSzPct val="120000"/>
+        <a:buFont typeface="Wingdings" pitchFamily="2" charset="2"/>
+        <a:buChar char="§"/>
+        <a:defRPr lang="sv-SE" sz="1400" dirty="0" smtClean="0">
+          <a:solidFill>
+            <a:schemeClr val="tx1"/>
+          </a:solidFill>
+          <a:latin typeface="+mn-lt"/>
+          <a:ea typeface="+mn-ea"/>
+          <a:cs typeface="+mn-cs"/>
+        </a:defRPr>
+      </a:lvl4pPr>
+      <a:lvl5pPr marL="1616075" indent="-184150" algn="l" rtl="0" eaLnBrk="1" fontAlgn="base" hangingPunct="1">
+        <a:spcBef>
+          <a:spcPct val="40000"/>
+        </a:spcBef>
+        <a:spcAft>
+          <a:spcPct val="0"/>
+        </a:spcAft>
+        <a:buClr>
+          <a:schemeClr val="accent1"/>
+        </a:buClr>
+        <a:buFont typeface="Wingdings" pitchFamily="2" charset="2"/>
+        <a:buChar char="§"/>
+        <a:defRPr lang="en-GB" sz="1400" dirty="0" smtClean="0">
+          <a:solidFill>
+            <a:schemeClr val="tx1"/>
+          </a:solidFill>
+          <a:latin typeface="+mn-lt"/>
+          <a:ea typeface="+mn-ea"/>
+          <a:cs typeface="+mn-cs"/>
+        </a:defRPr>
+      </a:lvl5pPr>
+      <a:lvl6pPr marL="2073275" indent="-184150" algn="l" rtl="0" eaLnBrk="1" fontAlgn="base" hangingPunct="1">
+        <a:spcBef>
+          <a:spcPct val="40000"/>
+        </a:spcBef>
+        <a:spcAft>
+          <a:spcPct val="0"/>
+        </a:spcAft>
+        <a:buClr>
+          <a:schemeClr val="bg2"/>
+        </a:buClr>
+        <a:buFont typeface="Arial" charset="0"/>
+        <a:buChar char="–"/>
+        <a:defRPr sz="1400">
+          <a:solidFill>
+            <a:schemeClr val="tx1"/>
+          </a:solidFill>
+          <a:latin typeface="+mn-lt"/>
+        </a:defRPr>
+      </a:lvl6pPr>
+      <a:lvl7pPr marL="2530475" indent="-184150" algn="l" rtl="0" eaLnBrk="1" fontAlgn="base" hangingPunct="1">
+        <a:spcBef>
+          <a:spcPct val="40000"/>
+        </a:spcBef>
+        <a:spcAft>
+          <a:spcPct val="0"/>
+        </a:spcAft>
+        <a:buClr>
+          <a:schemeClr val="bg2"/>
+        </a:buClr>
+        <a:buFont typeface="Arial" charset="0"/>
+        <a:buChar char="–"/>
+        <a:defRPr sz="1400">
+          <a:solidFill>
+            <a:schemeClr val="tx1"/>
+          </a:solidFill>
+          <a:latin typeface="+mn-lt"/>
+        </a:defRPr>
+      </a:lvl7pPr>
+      <a:lvl8pPr marL="2987675" indent="-184150" algn="l" rtl="0" eaLnBrk="1" fontAlgn="base" hangingPunct="1">
+        <a:spcBef>
+          <a:spcPct val="40000"/>
+        </a:spcBef>
+        <a:spcAft>
+          <a:spcPct val="0"/>
+        </a:spcAft>
+        <a:buClr>
+          <a:schemeClr val="bg2"/>
+        </a:buClr>
+        <a:buFont typeface="Arial" charset="0"/>
+        <a:buChar char="–"/>
+        <a:defRPr sz="1400">
+          <a:solidFill>
+            <a:schemeClr val="tx1"/>
+          </a:solidFill>
+          <a:latin typeface="+mn-lt"/>
+        </a:defRPr>
+      </a:lvl8pPr>
+      <a:lvl9pPr marL="3444875" indent="-184150" algn="l" rtl="0" eaLnBrk="1" fontAlgn="base" hangingPunct="1">
+        <a:spcBef>
+          <a:spcPct val="40000"/>
+        </a:spcBef>
+        <a:spcAft>
+          <a:spcPct val="0"/>
+        </a:spcAft>
+        <a:buClr>
+          <a:schemeClr val="bg2"/>
+        </a:buClr>
+        <a:buFont typeface="Arial" charset="0"/>
+        <a:buChar char="–"/>
+        <a:defRPr sz="1400">
+          <a:solidFill>
+            <a:schemeClr val="tx1"/>
+          </a:solidFill>
+          <a:latin typeface="+mn-lt"/>
+        </a:defRPr>
+      </a:lvl9pPr>
+    </p:bodyStyle>
+    <p:otherStyle>
+      <a:defPPr>
+        <a:defRPr lang="sv-SE"/>
+      </a:defPPr>
+      <a:lvl1pPr marL="0" algn="l" defTabSz="914400" rtl="0" eaLnBrk="1" latinLnBrk="0" hangingPunct="1">
+        <a:defRPr sz="1800" kern="1200">
+          <a:solidFill>
+            <a:schemeClr val="tx1"/>
+          </a:solidFill>
+          <a:latin typeface="+mn-lt"/>
+          <a:ea typeface="+mn-ea"/>
+          <a:cs typeface="+mn-cs"/>
+        </a:defRPr>
+      </a:lvl1pPr>
+      <a:lvl2pPr marL="457200" algn="l" defTabSz="914400" rtl="0" eaLnBrk="1" latinLnBrk="0" hangingPunct="1">
+        <a:defRPr sz="1800" kern="1200">
+          <a:solidFill>
+            <a:schemeClr val="tx1"/>
+          </a:solidFill>
+          <a:latin typeface="+mn-lt"/>
+          <a:ea typeface="+mn-ea"/>
+          <a:cs typeface="+mn-cs"/>
+        </a:defRPr>
+      </a:lvl2pPr>
+      <a:lvl3pPr marL="914400" algn="l" defTabSz="914400" rtl="0" eaLnBrk="1" latinLnBrk="0" hangingPunct="1">
+        <a:defRPr sz="1800" kern="1200">
+          <a:solidFill>
+            <a:schemeClr val="tx1"/>
+          </a:solidFill>
+          <a:latin typeface="+mn-lt"/>
+          <a:ea typeface="+mn-ea"/>
+          <a:cs typeface="+mn-cs"/>
+        </a:defRPr>
+      </a:lvl3pPr>
+      <a:lvl4pPr marL="1371600" algn="l" defTabSz="914400" rtl="0" eaLnBrk="1" latinLnBrk="0" hangingPunct="1">
+        <a:defRPr sz="1800" kern="1200">
+          <a:solidFill>
+            <a:schemeClr val="tx1"/>
+          </a:solidFill>
+          <a:latin typeface="+mn-lt"/>
+          <a:ea typeface="+mn-ea"/>
+          <a:cs typeface="+mn-cs"/>
+        </a:defRPr>
+      </a:lvl4pPr>
+      <a:lvl5pPr marL="1828800" algn="l" defTabSz="914400" rtl="0" eaLnBrk="1" latinLnBrk="0" hangingPunct="1">
+        <a:defRPr sz="1800" kern="1200">
+          <a:solidFill>
+            <a:schemeClr val="tx1"/>
+          </a:solidFill>
+          <a:latin typeface="+mn-lt"/>
+          <a:ea typeface="+mn-ea"/>
+          <a:cs typeface="+mn-cs"/>
+        </a:defRPr>
+      </a:lvl5pPr>
+      <a:lvl6pPr marL="2286000" algn="l" defTabSz="914400" rtl="0" eaLnBrk="1" latinLnBrk="0" hangingPunct="1">
+        <a:defRPr sz="1800" kern="1200">
+          <a:solidFill>
+            <a:schemeClr val="tx1"/>
+          </a:solidFill>
+          <a:latin typeface="+mn-lt"/>
+          <a:ea typeface="+mn-ea"/>
+          <a:cs typeface="+mn-cs"/>
+        </a:defRPr>
+      </a:lvl6pPr>
+      <a:lvl7pPr marL="2743200" algn="l" defTabSz="914400" rtl="0" eaLnBrk="1" latinLnBrk="0" hangingPunct="1">
+        <a:defRPr sz="1800" kern="1200">
+          <a:solidFill>
+            <a:schemeClr val="tx1"/>
+          </a:solidFill>
+          <a:latin typeface="+mn-lt"/>
+          <a:ea typeface="+mn-ea"/>
+          <a:cs typeface="+mn-cs"/>
+        </a:defRPr>
+      </a:lvl7pPr>
+      <a:lvl8pPr marL="3200400" algn="l" defTabSz="914400" rtl="0" eaLnBrk="1" latinLnBrk="0" hangingPunct="1">
+        <a:defRPr sz="1800" kern="1200">
+          <a:solidFill>
+            <a:schemeClr val="tx1"/>
+          </a:solidFill>
+          <a:latin typeface="+mn-lt"/>
+          <a:ea typeface="+mn-ea"/>
+          <a:cs typeface="+mn-cs"/>
+        </a:defRPr>
+      </a:lvl8pPr>
+      <a:lvl9pPr marL="3657600" algn="l" defTabSz="914400" rtl="0" eaLnBrk="1" latinLnBrk="0" hangingPunct="1">
+        <a:defRPr sz="1800" kern="1200">
+          <a:solidFill>
+            <a:schemeClr val="tx1"/>
+          </a:solidFill>
+          <a:latin typeface="+mn-lt"/>
+          <a:ea typeface="+mn-ea"/>
+          <a:cs typeface="+mn-cs"/>
+        </a:defRPr>
+      </a:lvl9pPr>
+    </p:otherStyle>
+  </p:txStyles>
+</p:sldMaster>
+</file>
+
 <file path=ppt/slides/slide1.xml><?xml version="1.0" encoding="utf-8"?>
 <p:sld xmlns:a="http://schemas.openxmlformats.org/drawingml/2006/main" xmlns:r="http://schemas.openxmlformats.org/officeDocument/2006/relationships" xmlns:p="http://schemas.openxmlformats.org/presentationml/2006/main">
   <p:cSld>
@@ -4656,6 +7598,29 @@
       </p:grpSpPr>
       <p:sp>
         <p:nvSpPr>
+          <p:cNvPr id="4098" name="Underrubrik 6"/>
+          <p:cNvSpPr>
+            <a:spLocks noGrp="1"/>
+          </p:cNvSpPr>
+          <p:nvPr>
+            <p:ph type="subTitle" idx="1"/>
+          </p:nvPr>
+        </p:nvSpPr>
+        <p:spPr/>
+        <p:txBody>
+          <a:bodyPr/>
+          <a:lstStyle/>
+          <a:p>
+            <a:r>
+              <a:rPr lang="en-GB"/>
+              <a:t>Pipelines </a:t>
+            </a:r>
+            <a:endParaRPr lang="en-GB" dirty="0"/>
+          </a:p>
+        </p:txBody>
+      </p:sp>
+      <p:sp>
+        <p:nvSpPr>
           <p:cNvPr id="4099" name="Rubrik 5"/>
           <p:cNvSpPr>
             <a:spLocks noGrp="1"/>
@@ -4679,42 +7644,22 @@
       </p:sp>
       <p:sp>
         <p:nvSpPr>
-          <p:cNvPr id="4098" name="Underrubrik 6"/>
-          <p:cNvSpPr>
-            <a:spLocks noGrp="1"/>
-          </p:cNvSpPr>
-          <p:nvPr>
-            <p:ph type="subTitle" idx="1"/>
-          </p:nvPr>
-        </p:nvSpPr>
-        <p:spPr/>
-        <p:txBody>
-          <a:bodyPr/>
-          <a:lstStyle/>
-          <a:p>
-            <a:r>
-              <a:rPr lang="en-GB"/>
-              <a:t>Pipelines </a:t>
-            </a:r>
-            <a:endParaRPr lang="en-GB" dirty="0"/>
-          </a:p>
-        </p:txBody>
-      </p:sp>
-      <p:sp>
-        <p:nvSpPr>
           <p:cNvPr id="4101" name="Platshållare för datum 4"/>
           <p:cNvSpPr>
             <a:spLocks noGrp="1"/>
           </p:cNvSpPr>
           <p:nvPr>
-            <p:ph type="dt" sz="half" idx="10"/>
+            <p:ph type="dt" sz="half" idx="4294967295"/>
           </p:nvPr>
         </p:nvSpPr>
         <p:spPr>
           <a:xfrm>
-            <a:off x="790216" y="6350023"/>
-            <a:ext cx="1117487" cy="365125"/>
+            <a:off x="0" y="6350000"/>
+            <a:ext cx="1117600" cy="365125"/>
           </a:xfrm>
+          <a:prstGeom prst="rect">
+            <a:avLst/>
+          </a:prstGeom>
         </p:spPr>
         <p:txBody>
           <a:bodyPr/>
@@ -4735,10 +7680,18 @@
             <a:spLocks noGrp="1"/>
           </p:cNvSpPr>
           <p:nvPr>
-            <p:ph type="sldNum" sz="quarter" idx="12"/>
+            <p:ph type="sldNum" sz="quarter" idx="4294967295"/>
           </p:nvPr>
         </p:nvSpPr>
-        <p:spPr/>
+        <p:spPr>
+          <a:xfrm>
+            <a:off x="7086600" y="6356350"/>
+            <a:ext cx="2057400" cy="365125"/>
+          </a:xfrm>
+          <a:prstGeom prst="rect">
+            <a:avLst/>
+          </a:prstGeom>
+        </p:spPr>
         <p:txBody>
           <a:bodyPr/>
           <a:lstStyle/>
@@ -9864,7 +12817,7 @@
         </p:spPr>
         <p:txBody>
           <a:bodyPr>
-            <a:normAutofit lnSpcReduction="10000"/>
+            <a:normAutofit/>
           </a:bodyPr>
           <a:lstStyle/>
           <a:p>
@@ -10064,22 +13017,15 @@
               <a:defRPr/>
             </a:pPr>
             <a:r>
-              <a:rPr lang="en-US" sz="1200">
+              <a:rPr lang="en-US" sz="1200" dirty="0">
                 <a:solidFill>
                   <a:schemeClr val="bg1">
                     <a:lumMod val="65000"/>
                   </a:schemeClr>
                 </a:solidFill>
               </a:rPr>
-              <a:t>Module 14: Windows Azure BizTalk Services</a:t>
-            </a:r>
-            <a:endParaRPr lang="en-US" sz="1200" dirty="0">
-              <a:solidFill>
-                <a:schemeClr val="bg1">
-                  <a:lumMod val="65000"/>
-                </a:schemeClr>
-              </a:solidFill>
-            </a:endParaRPr>
+              <a:t>Extra modules</a:t>
+            </a:r>
           </a:p>
         </p:txBody>
       </p:sp>
@@ -15333,7 +18279,7 @@
             <a:spLocks noGrp="1"/>
           </p:cNvSpPr>
           <p:nvPr>
-            <p:ph type="sldNum" sz="quarter" idx="12"/>
+            <p:ph type="sldNum" sz="quarter" idx="4"/>
           </p:nvPr>
         </p:nvSpPr>
         <p:spPr>
@@ -22758,6 +25704,407 @@
 </file>
 
 <file path=ppt/theme/theme2.xml><?xml version="1.0" encoding="utf-8"?>
+<a:theme xmlns:a="http://schemas.openxmlformats.org/drawingml/2006/main" name="Anpassad Addskills Theme">
+  <a:themeElements>
+    <a:clrScheme name="© 2008 Logica Slide Master 1">
+      <a:dk1>
+        <a:srgbClr val="000000"/>
+      </a:dk1>
+      <a:lt1>
+        <a:srgbClr val="FFFFFF"/>
+      </a:lt1>
+      <a:dk2>
+        <a:srgbClr val="DDDDDD"/>
+      </a:dk2>
+      <a:lt2>
+        <a:srgbClr val="5F5F5F"/>
+      </a:lt2>
+      <a:accent1>
+        <a:srgbClr val="FFCC00"/>
+      </a:accent1>
+      <a:accent2>
+        <a:srgbClr val="8D979B"/>
+      </a:accent2>
+      <a:accent3>
+        <a:srgbClr val="FFFFFF"/>
+      </a:accent3>
+      <a:accent4>
+        <a:srgbClr val="000000"/>
+      </a:accent4>
+      <a:accent5>
+        <a:srgbClr val="FFE2AA"/>
+      </a:accent5>
+      <a:accent6>
+        <a:srgbClr val="7F888C"/>
+      </a:accent6>
+      <a:hlink>
+        <a:srgbClr val="A5AA78"/>
+      </a:hlink>
+      <a:folHlink>
+        <a:srgbClr val="CE6700"/>
+      </a:folHlink>
+    </a:clrScheme>
+    <a:fontScheme name="© 2008 Logica Slide Master">
+      <a:majorFont>
+        <a:latin typeface="Arial"/>
+        <a:ea typeface=""/>
+        <a:cs typeface=""/>
+      </a:majorFont>
+      <a:minorFont>
+        <a:latin typeface="Arial"/>
+        <a:ea typeface=""/>
+        <a:cs typeface=""/>
+      </a:minorFont>
+    </a:fontScheme>
+    <a:fmtScheme name="Office">
+      <a:fillStyleLst>
+        <a:solidFill>
+          <a:schemeClr val="phClr"/>
+        </a:solidFill>
+        <a:gradFill rotWithShape="1">
+          <a:gsLst>
+            <a:gs pos="0">
+              <a:schemeClr val="phClr">
+                <a:tint val="50000"/>
+                <a:satMod val="300000"/>
+              </a:schemeClr>
+            </a:gs>
+            <a:gs pos="35000">
+              <a:schemeClr val="phClr">
+                <a:tint val="37000"/>
+                <a:satMod val="300000"/>
+              </a:schemeClr>
+            </a:gs>
+            <a:gs pos="100000">
+              <a:schemeClr val="phClr">
+                <a:tint val="15000"/>
+                <a:satMod val="350000"/>
+              </a:schemeClr>
+            </a:gs>
+          </a:gsLst>
+          <a:lin ang="16200000" scaled="1"/>
+        </a:gradFill>
+        <a:gradFill rotWithShape="1">
+          <a:gsLst>
+            <a:gs pos="0">
+              <a:schemeClr val="phClr">
+                <a:shade val="51000"/>
+                <a:satMod val="130000"/>
+              </a:schemeClr>
+            </a:gs>
+            <a:gs pos="80000">
+              <a:schemeClr val="phClr">
+                <a:shade val="93000"/>
+                <a:satMod val="130000"/>
+              </a:schemeClr>
+            </a:gs>
+            <a:gs pos="100000">
+              <a:schemeClr val="phClr">
+                <a:shade val="94000"/>
+                <a:satMod val="135000"/>
+              </a:schemeClr>
+            </a:gs>
+          </a:gsLst>
+          <a:lin ang="16200000" scaled="0"/>
+        </a:gradFill>
+      </a:fillStyleLst>
+      <a:lnStyleLst>
+        <a:ln w="9525" cap="flat" cmpd="sng" algn="ctr">
+          <a:solidFill>
+            <a:schemeClr val="phClr">
+              <a:shade val="95000"/>
+              <a:satMod val="105000"/>
+            </a:schemeClr>
+          </a:solidFill>
+          <a:prstDash val="solid"/>
+        </a:ln>
+        <a:ln w="25400" cap="flat" cmpd="sng" algn="ctr">
+          <a:solidFill>
+            <a:schemeClr val="phClr"/>
+          </a:solidFill>
+          <a:prstDash val="solid"/>
+        </a:ln>
+        <a:ln w="38100" cap="flat" cmpd="sng" algn="ctr">
+          <a:solidFill>
+            <a:schemeClr val="phClr"/>
+          </a:solidFill>
+          <a:prstDash val="solid"/>
+        </a:ln>
+      </a:lnStyleLst>
+      <a:effectStyleLst>
+        <a:effectStyle>
+          <a:effectLst>
+            <a:outerShdw blurRad="40000" dist="20000" dir="5400000" rotWithShape="0">
+              <a:srgbClr val="000000">
+                <a:alpha val="38000"/>
+              </a:srgbClr>
+            </a:outerShdw>
+          </a:effectLst>
+        </a:effectStyle>
+        <a:effectStyle>
+          <a:effectLst>
+            <a:outerShdw blurRad="40000" dist="23000" dir="5400000" rotWithShape="0">
+              <a:srgbClr val="000000">
+                <a:alpha val="35000"/>
+              </a:srgbClr>
+            </a:outerShdw>
+          </a:effectLst>
+        </a:effectStyle>
+        <a:effectStyle>
+          <a:effectLst>
+            <a:outerShdw blurRad="40000" dist="23000" dir="5400000" rotWithShape="0">
+              <a:srgbClr val="000000">
+                <a:alpha val="35000"/>
+              </a:srgbClr>
+            </a:outerShdw>
+          </a:effectLst>
+          <a:scene3d>
+            <a:camera prst="orthographicFront">
+              <a:rot lat="0" lon="0" rev="0"/>
+            </a:camera>
+            <a:lightRig rig="threePt" dir="t">
+              <a:rot lat="0" lon="0" rev="1200000"/>
+            </a:lightRig>
+          </a:scene3d>
+          <a:sp3d>
+            <a:bevelT w="63500" h="25400"/>
+          </a:sp3d>
+        </a:effectStyle>
+      </a:effectStyleLst>
+      <a:bgFillStyleLst>
+        <a:solidFill>
+          <a:schemeClr val="phClr"/>
+        </a:solidFill>
+        <a:gradFill rotWithShape="1">
+          <a:gsLst>
+            <a:gs pos="0">
+              <a:schemeClr val="phClr">
+                <a:tint val="40000"/>
+                <a:satMod val="350000"/>
+              </a:schemeClr>
+            </a:gs>
+            <a:gs pos="40000">
+              <a:schemeClr val="phClr">
+                <a:tint val="45000"/>
+                <a:shade val="99000"/>
+                <a:satMod val="350000"/>
+              </a:schemeClr>
+            </a:gs>
+            <a:gs pos="100000">
+              <a:schemeClr val="phClr">
+                <a:shade val="20000"/>
+                <a:satMod val="255000"/>
+              </a:schemeClr>
+            </a:gs>
+          </a:gsLst>
+          <a:path path="circle">
+            <a:fillToRect l="50000" t="-80000" r="50000" b="180000"/>
+          </a:path>
+        </a:gradFill>
+        <a:gradFill rotWithShape="1">
+          <a:gsLst>
+            <a:gs pos="0">
+              <a:schemeClr val="phClr">
+                <a:tint val="80000"/>
+                <a:satMod val="300000"/>
+              </a:schemeClr>
+            </a:gs>
+            <a:gs pos="100000">
+              <a:schemeClr val="phClr">
+                <a:shade val="30000"/>
+                <a:satMod val="200000"/>
+              </a:schemeClr>
+            </a:gs>
+          </a:gsLst>
+          <a:path path="circle">
+            <a:fillToRect l="50000" t="50000" r="50000" b="50000"/>
+          </a:path>
+        </a:gradFill>
+      </a:bgFillStyleLst>
+    </a:fmtScheme>
+  </a:themeElements>
+  <a:objectDefaults>
+    <a:spDef>
+      <a:spPr bwMode="auto">
+        <a:xfrm>
+          <a:off x="0" y="0"/>
+          <a:ext cx="1" cy="1"/>
+        </a:xfrm>
+        <a:custGeom>
+          <a:avLst/>
+          <a:gdLst/>
+          <a:ahLst/>
+          <a:cxnLst/>
+          <a:rect l="0" t="0" r="0" b="0"/>
+          <a:pathLst/>
+        </a:custGeom>
+        <a:solidFill>
+          <a:schemeClr val="bg1"/>
+        </a:solidFill>
+        <a:ln w="9525" cap="flat" cmpd="sng" algn="ctr">
+          <a:solidFill>
+            <a:schemeClr val="tx1"/>
+          </a:solidFill>
+          <a:prstDash val="solid"/>
+          <a:round/>
+          <a:headEnd type="none" w="med" len="med"/>
+          <a:tailEnd type="none" w="med" len="med"/>
+        </a:ln>
+        <a:effectLst/>
+      </a:spPr>
+      <a:bodyPr vert="horz" wrap="none" lIns="0" tIns="0" rIns="0" bIns="0" numCol="1" anchor="ctr" anchorCtr="0" compatLnSpc="1">
+        <a:prstTxWarp prst="textNoShape">
+          <a:avLst/>
+        </a:prstTxWarp>
+      </a:bodyPr>
+      <a:lstStyle>
+        <a:defPPr marL="0" marR="0" indent="0" algn="ctr" defTabSz="914400" rtl="0" eaLnBrk="1" fontAlgn="base" latinLnBrk="0" hangingPunct="1">
+          <a:lnSpc>
+            <a:spcPct val="100000"/>
+          </a:lnSpc>
+          <a:spcBef>
+            <a:spcPct val="0"/>
+          </a:spcBef>
+          <a:spcAft>
+            <a:spcPct val="0"/>
+          </a:spcAft>
+          <a:buClr>
+            <a:schemeClr val="bg2"/>
+          </a:buClr>
+          <a:buSzTx/>
+          <a:buFontTx/>
+          <a:buNone/>
+          <a:tabLst/>
+          <a:defRPr kumimoji="0" lang="de-DE" sz="1600" b="0" i="0" u="none" strike="noStrike" cap="none" normalizeH="0" baseline="0" smtClean="0">
+            <a:ln>
+              <a:noFill/>
+            </a:ln>
+            <a:solidFill>
+              <a:schemeClr val="tx1"/>
+            </a:solidFill>
+            <a:effectLst/>
+            <a:latin typeface="Arial" charset="0"/>
+          </a:defRPr>
+        </a:defPPr>
+      </a:lstStyle>
+    </a:spDef>
+    <a:lnDef>
+      <a:spPr bwMode="auto">
+        <a:xfrm>
+          <a:off x="0" y="0"/>
+          <a:ext cx="1" cy="1"/>
+        </a:xfrm>
+        <a:custGeom>
+          <a:avLst/>
+          <a:gdLst/>
+          <a:ahLst/>
+          <a:cxnLst/>
+          <a:rect l="0" t="0" r="0" b="0"/>
+          <a:pathLst/>
+        </a:custGeom>
+        <a:solidFill>
+          <a:schemeClr val="bg1"/>
+        </a:solidFill>
+        <a:ln w="9525" cap="flat" cmpd="sng" algn="ctr">
+          <a:solidFill>
+            <a:schemeClr val="tx1"/>
+          </a:solidFill>
+          <a:prstDash val="solid"/>
+          <a:round/>
+          <a:headEnd type="none" w="med" len="med"/>
+          <a:tailEnd type="none" w="med" len="med"/>
+        </a:ln>
+        <a:effectLst/>
+      </a:spPr>
+      <a:bodyPr vert="horz" wrap="none" lIns="0" tIns="0" rIns="0" bIns="0" numCol="1" anchor="ctr" anchorCtr="0" compatLnSpc="1">
+        <a:prstTxWarp prst="textNoShape">
+          <a:avLst/>
+        </a:prstTxWarp>
+      </a:bodyPr>
+      <a:lstStyle>
+        <a:defPPr marL="0" marR="0" indent="0" algn="ctr" defTabSz="914400" rtl="0" eaLnBrk="1" fontAlgn="base" latinLnBrk="0" hangingPunct="1">
+          <a:lnSpc>
+            <a:spcPct val="100000"/>
+          </a:lnSpc>
+          <a:spcBef>
+            <a:spcPct val="0"/>
+          </a:spcBef>
+          <a:spcAft>
+            <a:spcPct val="0"/>
+          </a:spcAft>
+          <a:buClr>
+            <a:schemeClr val="bg2"/>
+          </a:buClr>
+          <a:buSzTx/>
+          <a:buFontTx/>
+          <a:buNone/>
+          <a:tabLst/>
+          <a:defRPr kumimoji="0" lang="de-DE" sz="1600" b="0" i="0" u="none" strike="noStrike" cap="none" normalizeH="0" baseline="0" smtClean="0">
+            <a:ln>
+              <a:noFill/>
+            </a:ln>
+            <a:solidFill>
+              <a:schemeClr val="tx1"/>
+            </a:solidFill>
+            <a:effectLst/>
+            <a:latin typeface="Arial" charset="0"/>
+          </a:defRPr>
+        </a:defPPr>
+      </a:lstStyle>
+    </a:lnDef>
+  </a:objectDefaults>
+  <a:extraClrSchemeLst>
+    <a:extraClrScheme>
+      <a:clrScheme name="© 2008 Logica Slide Master 1">
+        <a:dk1>
+          <a:srgbClr val="000000"/>
+        </a:dk1>
+        <a:lt1>
+          <a:srgbClr val="FFFFFF"/>
+        </a:lt1>
+        <a:dk2>
+          <a:srgbClr val="DDDDDD"/>
+        </a:dk2>
+        <a:lt2>
+          <a:srgbClr val="5F5F5F"/>
+        </a:lt2>
+        <a:accent1>
+          <a:srgbClr val="FFCC00"/>
+        </a:accent1>
+        <a:accent2>
+          <a:srgbClr val="8D979B"/>
+        </a:accent2>
+        <a:accent3>
+          <a:srgbClr val="FFFFFF"/>
+        </a:accent3>
+        <a:accent4>
+          <a:srgbClr val="000000"/>
+        </a:accent4>
+        <a:accent5>
+          <a:srgbClr val="FFE2AA"/>
+        </a:accent5>
+        <a:accent6>
+          <a:srgbClr val="7F888C"/>
+        </a:accent6>
+        <a:hlink>
+          <a:srgbClr val="A5AA78"/>
+        </a:hlink>
+        <a:folHlink>
+          <a:srgbClr val="CE6700"/>
+        </a:folHlink>
+      </a:clrScheme>
+      <a:clrMap bg1="lt1" tx1="dk1" bg2="lt2" tx2="dk2" accent1="accent1" accent2="accent2" accent3="accent3" accent4="accent4" accent5="accent5" accent6="accent6" hlink="hlink" folHlink="folHlink"/>
+    </a:extraClrScheme>
+  </a:extraClrSchemeLst>
+  <a:extLst>
+    <a:ext uri="{05A4C25C-085E-4340-85A3-A5531E510DB2}">
+      <thm15:themeFamily xmlns:thm15="http://schemas.microsoft.com/office/thememl/2012/main" name="Default.potx" id="{50080178-9A08-4EFD-9B63-B252A6E24CE2}" vid="{E87812AB-6A0B-4E42-B8B8-4F8BBA431F6F}"/>
+    </a:ext>
+  </a:extLst>
+</a:theme>
+</file>
+
+<file path=ppt/theme/theme3.xml><?xml version="1.0" encoding="utf-8"?>
 <a:theme xmlns:a="http://schemas.openxmlformats.org/drawingml/2006/main" name="Office Theme">
   <a:themeElements>
     <a:clrScheme name="">
@@ -23040,7 +26387,7 @@
 </a:theme>
 </file>
 
-<file path=ppt/theme/theme3.xml><?xml version="1.0" encoding="utf-8"?>
+<file path=ppt/theme/theme4.xml><?xml version="1.0" encoding="utf-8"?>
 <a:theme xmlns:a="http://schemas.openxmlformats.org/drawingml/2006/main" name="Office Theme">
   <a:themeElements>
     <a:clrScheme name="">
